--- a/Project Notebook - Group 4/Project Notebook - Group 4/4. Other/Gantt Chart.pptx
+++ b/Project Notebook - Group 4/Project Notebook - Group 4/4. Other/Gantt Chart.pptx
@@ -1,21 +1,22 @@
 
 <file path=ppt/presentation.xml><?xml version="1.0" encoding="utf-8"?>
-<p:presentation xmlns:a="http://schemas.openxmlformats.org/drawingml/2006/main" xmlns:r="http://schemas.openxmlformats.org/officeDocument/2006/relationships" xmlns:mc="http://schemas.openxmlformats.org/markup-compatibility/2006" xmlns:mv="urn:schemas-microsoft-com:mac:vml" xmlns:p="http://schemas.openxmlformats.org/presentationml/2006/main" xmlns:c="http://schemas.openxmlformats.org/drawingml/2006/chart" xmlns:dgm="http://schemas.openxmlformats.org/drawingml/2006/diagram" xmlns:o="urn:schemas-microsoft-com:office:office" xmlns:v="urn:schemas-microsoft-com:vml" xmlns:pvml="urn:schemas-microsoft-com:office:powerpoint" xmlns:com="http://schemas.openxmlformats.org/drawingml/2006/compatibility" xmlns:p14="http://schemas.microsoft.com/office/powerpoint/2010/main" xmlns:p15="http://schemas.microsoft.com/office/powerpoint/2012/main" autoCompressPictures="0" strictFirstAndLastChars="0" saveSubsetFonts="1">
+<p:presentation xmlns:a="http://schemas.openxmlformats.org/drawingml/2006/main" xmlns:r="http://schemas.openxmlformats.org/officeDocument/2006/relationships" xmlns:p="http://schemas.openxmlformats.org/presentationml/2006/main" strictFirstAndLastChars="0" saveSubsetFonts="1" autoCompressPictures="0">
   <p:sldMasterIdLst>
-    <p:sldMasterId id="2147483659" r:id="rId4"/>
+    <p:sldMasterId id="2147483659" r:id="rId1"/>
   </p:sldMasterIdLst>
   <p:notesMasterIdLst>
-    <p:notesMasterId r:id="rId5"/>
+    <p:notesMasterId r:id="rId6"/>
   </p:notesMasterIdLst>
   <p:sldIdLst>
-    <p:sldId id="256" r:id="rId6"/>
-    <p:sldId id="257" r:id="rId7"/>
-    <p:sldId id="258" r:id="rId8"/>
+    <p:sldId id="256" r:id="rId2"/>
+    <p:sldId id="257" r:id="rId3"/>
+    <p:sldId id="258" r:id="rId4"/>
+    <p:sldId id="259" r:id="rId5"/>
   </p:sldIdLst>
-  <p:sldSz cy="5143500" cx="9144000"/>
+  <p:sldSz cx="9144000" cy="5143500" type="screen16x9"/>
   <p:notesSz cx="6858000" cy="9144000"/>
   <p:defaultTextStyle>
-    <a:defPPr lvl="0" marR="0" rtl="0" algn="l">
+    <a:defPPr marR="0" lvl="0" algn="l" rtl="0">
       <a:lnSpc>
         <a:spcPct val="100000"/>
       </a:lnSpc>
@@ -26,7 +27,7 @@
         <a:spcPts val="0"/>
       </a:spcAft>
     </a:defPPr>
-    <a:lvl1pPr lvl="0" marR="0" rtl="0" algn="l">
+    <a:lvl1pPr marR="0" lvl="0" algn="l" rtl="0">
       <a:lnSpc>
         <a:spcPct val="100000"/>
       </a:lnSpc>
@@ -40,7 +41,7 @@
         <a:srgbClr val="000000"/>
       </a:buClr>
       <a:buFont typeface="Arial"/>
-      <a:defRPr b="0" i="0" sz="1400" u="none" cap="none" strike="noStrike">
+      <a:defRPr sz="1400" b="0" i="0" u="none" strike="noStrike" cap="none">
         <a:solidFill>
           <a:srgbClr val="000000"/>
         </a:solidFill>
@@ -50,7 +51,7 @@
         <a:sym typeface="Arial"/>
       </a:defRPr>
     </a:lvl1pPr>
-    <a:lvl2pPr lvl="1" marR="0" rtl="0" algn="l">
+    <a:lvl2pPr marR="0" lvl="1" algn="l" rtl="0">
       <a:lnSpc>
         <a:spcPct val="100000"/>
       </a:lnSpc>
@@ -64,7 +65,7 @@
         <a:srgbClr val="000000"/>
       </a:buClr>
       <a:buFont typeface="Arial"/>
-      <a:defRPr b="0" i="0" sz="1400" u="none" cap="none" strike="noStrike">
+      <a:defRPr sz="1400" b="0" i="0" u="none" strike="noStrike" cap="none">
         <a:solidFill>
           <a:srgbClr val="000000"/>
         </a:solidFill>
@@ -74,7 +75,7 @@
         <a:sym typeface="Arial"/>
       </a:defRPr>
     </a:lvl2pPr>
-    <a:lvl3pPr lvl="2" marR="0" rtl="0" algn="l">
+    <a:lvl3pPr marR="0" lvl="2" algn="l" rtl="0">
       <a:lnSpc>
         <a:spcPct val="100000"/>
       </a:lnSpc>
@@ -88,7 +89,7 @@
         <a:srgbClr val="000000"/>
       </a:buClr>
       <a:buFont typeface="Arial"/>
-      <a:defRPr b="0" i="0" sz="1400" u="none" cap="none" strike="noStrike">
+      <a:defRPr sz="1400" b="0" i="0" u="none" strike="noStrike" cap="none">
         <a:solidFill>
           <a:srgbClr val="000000"/>
         </a:solidFill>
@@ -98,7 +99,7 @@
         <a:sym typeface="Arial"/>
       </a:defRPr>
     </a:lvl3pPr>
-    <a:lvl4pPr lvl="3" marR="0" rtl="0" algn="l">
+    <a:lvl4pPr marR="0" lvl="3" algn="l" rtl="0">
       <a:lnSpc>
         <a:spcPct val="100000"/>
       </a:lnSpc>
@@ -112,7 +113,7 @@
         <a:srgbClr val="000000"/>
       </a:buClr>
       <a:buFont typeface="Arial"/>
-      <a:defRPr b="0" i="0" sz="1400" u="none" cap="none" strike="noStrike">
+      <a:defRPr sz="1400" b="0" i="0" u="none" strike="noStrike" cap="none">
         <a:solidFill>
           <a:srgbClr val="000000"/>
         </a:solidFill>
@@ -122,7 +123,7 @@
         <a:sym typeface="Arial"/>
       </a:defRPr>
     </a:lvl4pPr>
-    <a:lvl5pPr lvl="4" marR="0" rtl="0" algn="l">
+    <a:lvl5pPr marR="0" lvl="4" algn="l" rtl="0">
       <a:lnSpc>
         <a:spcPct val="100000"/>
       </a:lnSpc>
@@ -136,7 +137,7 @@
         <a:srgbClr val="000000"/>
       </a:buClr>
       <a:buFont typeface="Arial"/>
-      <a:defRPr b="0" i="0" sz="1400" u="none" cap="none" strike="noStrike">
+      <a:defRPr sz="1400" b="0" i="0" u="none" strike="noStrike" cap="none">
         <a:solidFill>
           <a:srgbClr val="000000"/>
         </a:solidFill>
@@ -146,7 +147,7 @@
         <a:sym typeface="Arial"/>
       </a:defRPr>
     </a:lvl5pPr>
-    <a:lvl6pPr lvl="5" marR="0" rtl="0" algn="l">
+    <a:lvl6pPr marR="0" lvl="5" algn="l" rtl="0">
       <a:lnSpc>
         <a:spcPct val="100000"/>
       </a:lnSpc>
@@ -160,7 +161,7 @@
         <a:srgbClr val="000000"/>
       </a:buClr>
       <a:buFont typeface="Arial"/>
-      <a:defRPr b="0" i="0" sz="1400" u="none" cap="none" strike="noStrike">
+      <a:defRPr sz="1400" b="0" i="0" u="none" strike="noStrike" cap="none">
         <a:solidFill>
           <a:srgbClr val="000000"/>
         </a:solidFill>
@@ -170,7 +171,7 @@
         <a:sym typeface="Arial"/>
       </a:defRPr>
     </a:lvl6pPr>
-    <a:lvl7pPr lvl="6" marR="0" rtl="0" algn="l">
+    <a:lvl7pPr marR="0" lvl="6" algn="l" rtl="0">
       <a:lnSpc>
         <a:spcPct val="100000"/>
       </a:lnSpc>
@@ -184,7 +185,7 @@
         <a:srgbClr val="000000"/>
       </a:buClr>
       <a:buFont typeface="Arial"/>
-      <a:defRPr b="0" i="0" sz="1400" u="none" cap="none" strike="noStrike">
+      <a:defRPr sz="1400" b="0" i="0" u="none" strike="noStrike" cap="none">
         <a:solidFill>
           <a:srgbClr val="000000"/>
         </a:solidFill>
@@ -194,7 +195,7 @@
         <a:sym typeface="Arial"/>
       </a:defRPr>
     </a:lvl7pPr>
-    <a:lvl8pPr lvl="7" marR="0" rtl="0" algn="l">
+    <a:lvl8pPr marR="0" lvl="7" algn="l" rtl="0">
       <a:lnSpc>
         <a:spcPct val="100000"/>
       </a:lnSpc>
@@ -208,7 +209,7 @@
         <a:srgbClr val="000000"/>
       </a:buClr>
       <a:buFont typeface="Arial"/>
-      <a:defRPr b="0" i="0" sz="1400" u="none" cap="none" strike="noStrike">
+      <a:defRPr sz="1400" b="0" i="0" u="none" strike="noStrike" cap="none">
         <a:solidFill>
           <a:srgbClr val="000000"/>
         </a:solidFill>
@@ -218,7 +219,7 @@
         <a:sym typeface="Arial"/>
       </a:defRPr>
     </a:lvl8pPr>
-    <a:lvl9pPr lvl="8" marR="0" rtl="0" algn="l">
+    <a:lvl9pPr marR="0" lvl="8" algn="l" rtl="0">
       <a:lnSpc>
         <a:spcPct val="100000"/>
       </a:lnSpc>
@@ -232,7 +233,7 @@
         <a:srgbClr val="000000"/>
       </a:buClr>
       <a:buFont typeface="Arial"/>
-      <a:defRPr b="0" i="0" sz="1400" u="none" cap="none" strike="noStrike">
+      <a:defRPr sz="1400" b="0" i="0" u="none" strike="noStrike" cap="none">
         <a:solidFill>
           <a:srgbClr val="000000"/>
         </a:solidFill>
@@ -245,7 +246,7 @@
   </p:defaultTextStyle>
   <p:extLst>
     <p:ext uri="{EFAFB233-063F-42B5-8137-9DF3F51BA10A}">
-      <p15:sldGuideLst>
+      <p15:sldGuideLst xmlns:p15="http://schemas.microsoft.com/office/powerpoint/2012/main">
         <p15:guide id="1" orient="horz" pos="1620">
           <p15:clr>
             <a:srgbClr val="A4A3A4"/>
@@ -262,12 +263,100 @@
 </p:presentation>
 </file>
 
+<file path=ppt/revisionInfo.xml><?xml version="1.0" encoding="utf-8"?>
+<p1510:revInfo xmlns:a="http://schemas.openxmlformats.org/drawingml/2006/main" xmlns:r="http://schemas.openxmlformats.org/officeDocument/2006/relationships" xmlns:p1510="http://schemas.microsoft.com/office/powerpoint/2015/10/main">
+  <p1510:revLst>
+    <p1510:client id="{73F40D0C-43FC-49CB-9DA3-D8E98DF75186}" v="2" dt="2018-12-12T07:51:27.807"/>
+  </p1510:revLst>
+</p1510:revInfo>
+</file>
+
+<file path=ppt/changesInfos/changesInfo1.xml><?xml version="1.0" encoding="utf-8"?>
+<pc:chgInfo xmlns:a="http://schemas.openxmlformats.org/drawingml/2006/main" xmlns:r="http://schemas.openxmlformats.org/officeDocument/2006/relationships" xmlns:ac="http://schemas.microsoft.com/office/drawing/2013/main/command" xmlns:pc="http://schemas.microsoft.com/office/powerpoint/2013/main/command">
+  <pc:docChgLst>
+    <pc:chgData name="Cooper Yungblut" userId="7f73948031400a0c" providerId="LiveId" clId="{73F40D0C-43FC-49CB-9DA3-D8E98DF75186}"/>
+    <pc:docChg chg="custSel addSld modSld">
+      <pc:chgData name="Cooper Yungblut" userId="7f73948031400a0c" providerId="LiveId" clId="{73F40D0C-43FC-49CB-9DA3-D8E98DF75186}" dt="2018-12-12T07:51:52.237" v="141" actId="20577"/>
+      <pc:docMkLst>
+        <pc:docMk/>
+      </pc:docMkLst>
+      <pc:sldChg chg="modSp">
+        <pc:chgData name="Cooper Yungblut" userId="7f73948031400a0c" providerId="LiveId" clId="{73F40D0C-43FC-49CB-9DA3-D8E98DF75186}" dt="2018-12-12T07:51:41.319" v="117" actId="20577"/>
+        <pc:sldMkLst>
+          <pc:docMk/>
+          <pc:sldMk cId="0" sldId="257"/>
+        </pc:sldMkLst>
+        <pc:spChg chg="mod">
+          <ac:chgData name="Cooper Yungblut" userId="7f73948031400a0c" providerId="LiveId" clId="{73F40D0C-43FC-49CB-9DA3-D8E98DF75186}" dt="2018-12-12T07:51:41.319" v="117" actId="20577"/>
+          <ac:spMkLst>
+            <pc:docMk/>
+            <pc:sldMk cId="0" sldId="257"/>
+            <ac:spMk id="60" creationId="{00000000-0000-0000-0000-000000000000}"/>
+          </ac:spMkLst>
+        </pc:spChg>
+      </pc:sldChg>
+      <pc:sldChg chg="modSp">
+        <pc:chgData name="Cooper Yungblut" userId="7f73948031400a0c" providerId="LiveId" clId="{73F40D0C-43FC-49CB-9DA3-D8E98DF75186}" dt="2018-12-12T07:51:52.237" v="141" actId="20577"/>
+        <pc:sldMkLst>
+          <pc:docMk/>
+          <pc:sldMk cId="0" sldId="258"/>
+        </pc:sldMkLst>
+        <pc:spChg chg="mod">
+          <ac:chgData name="Cooper Yungblut" userId="7f73948031400a0c" providerId="LiveId" clId="{73F40D0C-43FC-49CB-9DA3-D8E98DF75186}" dt="2018-12-12T07:51:52.237" v="141" actId="20577"/>
+          <ac:spMkLst>
+            <pc:docMk/>
+            <pc:sldMk cId="0" sldId="258"/>
+            <ac:spMk id="67" creationId="{00000000-0000-0000-0000-000000000000}"/>
+          </ac:spMkLst>
+        </pc:spChg>
+      </pc:sldChg>
+      <pc:sldChg chg="addSp delSp modSp add">
+        <pc:chgData name="Cooper Yungblut" userId="7f73948031400a0c" providerId="LiveId" clId="{73F40D0C-43FC-49CB-9DA3-D8E98DF75186}" dt="2018-12-12T07:51:29.755" v="98" actId="1076"/>
+        <pc:sldMkLst>
+          <pc:docMk/>
+          <pc:sldMk cId="2682885469" sldId="259"/>
+        </pc:sldMkLst>
+        <pc:spChg chg="mod">
+          <ac:chgData name="Cooper Yungblut" userId="7f73948031400a0c" providerId="LiveId" clId="{73F40D0C-43FC-49CB-9DA3-D8E98DF75186}" dt="2018-12-12T07:51:00.883" v="95" actId="20577"/>
+          <ac:spMkLst>
+            <pc:docMk/>
+            <pc:sldMk cId="2682885469" sldId="259"/>
+            <ac:spMk id="67" creationId="{00000000-0000-0000-0000-000000000000}"/>
+          </ac:spMkLst>
+        </pc:spChg>
+        <pc:picChg chg="add mod">
+          <ac:chgData name="Cooper Yungblut" userId="7f73948031400a0c" providerId="LiveId" clId="{73F40D0C-43FC-49CB-9DA3-D8E98DF75186}" dt="2018-12-12T07:51:29.755" v="98" actId="1076"/>
+          <ac:picMkLst>
+            <pc:docMk/>
+            <pc:sldMk cId="2682885469" sldId="259"/>
+            <ac:picMk id="2" creationId="{7C6780E3-0B99-4045-903E-5B9DFCB7D826}"/>
+          </ac:picMkLst>
+        </pc:picChg>
+        <pc:picChg chg="del">
+          <ac:chgData name="Cooper Yungblut" userId="7f73948031400a0c" providerId="LiveId" clId="{73F40D0C-43FC-49CB-9DA3-D8E98DF75186}" dt="2018-12-12T07:51:04.979" v="96" actId="478"/>
+          <ac:picMkLst>
+            <pc:docMk/>
+            <pc:sldMk cId="2682885469" sldId="259"/>
+            <ac:picMk id="69" creationId="{00000000-0000-0000-0000-000000000000}"/>
+          </ac:picMkLst>
+        </pc:picChg>
+      </pc:sldChg>
+    </pc:docChg>
+  </pc:docChgLst>
+</pc:chgInfo>
+</file>
+
 <file path=ppt/notesMasters/notesMaster1.xml><?xml version="1.0" encoding="utf-8"?>
-<p:notesMaster xmlns:a="http://schemas.openxmlformats.org/drawingml/2006/main" xmlns:r="http://schemas.openxmlformats.org/officeDocument/2006/relationships" xmlns:mc="http://schemas.openxmlformats.org/markup-compatibility/2006" xmlns:mv="urn:schemas-microsoft-com:mac:vml" xmlns:p="http://schemas.openxmlformats.org/presentationml/2006/main" xmlns:c="http://schemas.openxmlformats.org/drawingml/2006/chart" xmlns:dgm="http://schemas.openxmlformats.org/drawingml/2006/diagram" xmlns:o="urn:schemas-microsoft-com:office:office" xmlns:v="urn:schemas-microsoft-com:vml" xmlns:pvml="urn:schemas-microsoft-com:office:powerpoint" xmlns:com="http://schemas.openxmlformats.org/drawingml/2006/compatibility" xmlns:p14="http://schemas.microsoft.com/office/powerpoint/2010/main" xmlns:p15="http://schemas.microsoft.com/office/powerpoint/2012/main">
+<p:notesMaster xmlns:a="http://schemas.openxmlformats.org/drawingml/2006/main" xmlns:r="http://schemas.openxmlformats.org/officeDocument/2006/relationships" xmlns:p="http://schemas.openxmlformats.org/presentationml/2006/main">
   <p:cSld>
+    <p:bg>
+      <p:bgRef idx="1001">
+        <a:schemeClr val="bg1"/>
+      </p:bgRef>
+    </p:bg>
     <p:spTree>
       <p:nvGrpSpPr>
-        <p:cNvPr id="2" name="Shape 2"/>
+        <p:cNvPr id="1" name="Shape 2"/>
         <p:cNvGrpSpPr/>
         <p:nvPr/>
       </p:nvGrpSpPr>
@@ -282,9 +371,11 @@
       <p:sp>
         <p:nvSpPr>
           <p:cNvPr id="3" name="Google Shape;3;n"/>
-          <p:cNvSpPr/>
+          <p:cNvSpPr>
+            <a:spLocks noGrp="1" noRot="1" noChangeAspect="1"/>
+          </p:cNvSpPr>
           <p:nvPr>
-            <p:ph idx="2" type="sldImg"/>
+            <p:ph type="sldImg" idx="2"/>
           </p:nvPr>
         </p:nvSpPr>
         <p:spPr>
@@ -293,9 +384,13 @@
             <a:ext cx="6096075" cy="3429000"/>
           </a:xfrm>
           <a:custGeom>
-            <a:rect b="b" l="l" r="r" t="t"/>
+            <a:avLst/>
+            <a:gdLst/>
+            <a:ahLst/>
+            <a:cxnLst/>
+            <a:rect l="l" t="t" r="r" b="b"/>
             <a:pathLst>
-              <a:path extrusionOk="0" h="120000" w="120000">
+              <a:path w="120000" h="120000" extrusionOk="0">
                 <a:moveTo>
                   <a:pt x="0" y="0"/>
                 </a:moveTo>
@@ -313,23 +408,25 @@
             </a:pathLst>
           </a:custGeom>
           <a:noFill/>
-          <a:ln cap="flat" cmpd="sng" w="9525">
+          <a:ln w="9525" cap="flat" cmpd="sng">
             <a:solidFill>
               <a:srgbClr val="000000"/>
             </a:solidFill>
             <a:prstDash val="solid"/>
             <a:round/>
-            <a:headEnd len="sm" w="sm" type="none"/>
-            <a:tailEnd len="sm" w="sm" type="none"/>
+            <a:headEnd type="none" w="sm" len="sm"/>
+            <a:tailEnd type="none" w="sm" len="sm"/>
           </a:ln>
         </p:spPr>
       </p:sp>
       <p:sp>
         <p:nvSpPr>
           <p:cNvPr id="4" name="Google Shape;4;n"/>
-          <p:cNvSpPr txBox="1"/>
+          <p:cNvSpPr txBox="1">
+            <a:spLocks noGrp="1"/>
+          </p:cNvSpPr>
           <p:nvPr>
-            <p:ph idx="1" type="body"/>
+            <p:ph type="body" idx="1"/>
           </p:nvPr>
         </p:nvSpPr>
         <p:spPr>
@@ -346,9 +443,9 @@
           </a:ln>
         </p:spPr>
         <p:txBody>
-          <a:bodyPr anchorCtr="0" anchor="t" bIns="91425" lIns="91425" spcFirstLastPara="1" rIns="91425" wrap="square" tIns="91425"/>
+          <a:bodyPr spcFirstLastPara="1" wrap="square" lIns="91425" tIns="91425" rIns="91425" bIns="91425" anchor="t" anchorCtr="0"/>
           <a:lstStyle>
-            <a:lvl1pPr indent="-298450" lvl="0" marL="457200">
+            <a:lvl1pPr marL="457200" lvl="0" indent="-298450">
               <a:spcBef>
                 <a:spcPts val="0"/>
               </a:spcBef>
@@ -359,7 +456,7 @@
               <a:buChar char="●"/>
               <a:defRPr sz="1100"/>
             </a:lvl1pPr>
-            <a:lvl2pPr indent="-298450" lvl="1" marL="914400">
+            <a:lvl2pPr marL="914400" lvl="1" indent="-298450">
               <a:spcBef>
                 <a:spcPts val="0"/>
               </a:spcBef>
@@ -370,7 +467,7 @@
               <a:buChar char="○"/>
               <a:defRPr sz="1100"/>
             </a:lvl2pPr>
-            <a:lvl3pPr indent="-298450" lvl="2" marL="1371600">
+            <a:lvl3pPr marL="1371600" lvl="2" indent="-298450">
               <a:spcBef>
                 <a:spcPts val="0"/>
               </a:spcBef>
@@ -381,7 +478,7 @@
               <a:buChar char="■"/>
               <a:defRPr sz="1100"/>
             </a:lvl3pPr>
-            <a:lvl4pPr indent="-298450" lvl="3" marL="1828800">
+            <a:lvl4pPr marL="1828800" lvl="3" indent="-298450">
               <a:spcBef>
                 <a:spcPts val="0"/>
               </a:spcBef>
@@ -392,7 +489,7 @@
               <a:buChar char="●"/>
               <a:defRPr sz="1100"/>
             </a:lvl4pPr>
-            <a:lvl5pPr indent="-298450" lvl="4" marL="2286000">
+            <a:lvl5pPr marL="2286000" lvl="4" indent="-298450">
               <a:spcBef>
                 <a:spcPts val="0"/>
               </a:spcBef>
@@ -403,7 +500,7 @@
               <a:buChar char="○"/>
               <a:defRPr sz="1100"/>
             </a:lvl5pPr>
-            <a:lvl6pPr indent="-298450" lvl="5" marL="2743200">
+            <a:lvl6pPr marL="2743200" lvl="5" indent="-298450">
               <a:spcBef>
                 <a:spcPts val="0"/>
               </a:spcBef>
@@ -414,7 +511,7 @@
               <a:buChar char="■"/>
               <a:defRPr sz="1100"/>
             </a:lvl6pPr>
-            <a:lvl7pPr indent="-298450" lvl="6" marL="3200400">
+            <a:lvl7pPr marL="3200400" lvl="6" indent="-298450">
               <a:spcBef>
                 <a:spcPts val="0"/>
               </a:spcBef>
@@ -425,7 +522,7 @@
               <a:buChar char="●"/>
               <a:defRPr sz="1100"/>
             </a:lvl7pPr>
-            <a:lvl8pPr indent="-298450" lvl="7" marL="3657600">
+            <a:lvl8pPr marL="3657600" lvl="7" indent="-298450">
               <a:spcBef>
                 <a:spcPts val="0"/>
               </a:spcBef>
@@ -436,7 +533,7 @@
               <a:buChar char="○"/>
               <a:defRPr sz="1100"/>
             </a:lvl8pPr>
-            <a:lvl9pPr indent="-298450" lvl="8" marL="4114800">
+            <a:lvl9pPr marL="4114800" lvl="8" indent="-298450">
               <a:spcBef>
                 <a:spcPts val="0"/>
               </a:spcBef>
@@ -448,14 +545,16 @@
               <a:defRPr sz="1100"/>
             </a:lvl9pPr>
           </a:lstStyle>
-          <a:p/>
+          <a:p>
+            <a:endParaRPr/>
+          </a:p>
         </p:txBody>
       </p:sp>
     </p:spTree>
   </p:cSld>
-  <p:clrMap accent1="accent1" accent2="accent2" accent3="accent3" accent4="accent4" accent5="accent5" accent6="accent6" bg1="lt1" bg2="dk2" tx1="dk1" tx2="lt2" folHlink="folHlink" hlink="hlink"/>
+  <p:clrMap bg1="lt1" tx1="dk1" bg2="dk2" tx2="lt2" accent1="accent1" accent2="accent2" accent3="accent3" accent4="accent4" accent5="accent5" accent6="accent6" hlink="hlink" folHlink="folHlink"/>
   <p:notesStyle>
-    <a:defPPr lvl="0" marR="0" rtl="0" algn="l">
+    <a:defPPr marR="0" lvl="0" algn="l" rtl="0">
       <a:lnSpc>
         <a:spcPct val="100000"/>
       </a:lnSpc>
@@ -466,7 +565,7 @@
         <a:spcPts val="0"/>
       </a:spcAft>
     </a:defPPr>
-    <a:lvl1pPr lvl="0" marR="0" rtl="0" algn="l">
+    <a:lvl1pPr marR="0" lvl="0" algn="l" rtl="0">
       <a:lnSpc>
         <a:spcPct val="100000"/>
       </a:lnSpc>
@@ -480,7 +579,7 @@
         <a:srgbClr val="000000"/>
       </a:buClr>
       <a:buFont typeface="Arial"/>
-      <a:defRPr b="0" i="0" sz="1400" u="none" cap="none" strike="noStrike">
+      <a:defRPr sz="1400" b="0" i="0" u="none" strike="noStrike" cap="none">
         <a:solidFill>
           <a:srgbClr val="000000"/>
         </a:solidFill>
@@ -490,7 +589,7 @@
         <a:sym typeface="Arial"/>
       </a:defRPr>
     </a:lvl1pPr>
-    <a:lvl2pPr lvl="1" marR="0" rtl="0" algn="l">
+    <a:lvl2pPr marR="0" lvl="1" algn="l" rtl="0">
       <a:lnSpc>
         <a:spcPct val="100000"/>
       </a:lnSpc>
@@ -504,7 +603,7 @@
         <a:srgbClr val="000000"/>
       </a:buClr>
       <a:buFont typeface="Arial"/>
-      <a:defRPr b="0" i="0" sz="1400" u="none" cap="none" strike="noStrike">
+      <a:defRPr sz="1400" b="0" i="0" u="none" strike="noStrike" cap="none">
         <a:solidFill>
           <a:srgbClr val="000000"/>
         </a:solidFill>
@@ -514,7 +613,7 @@
         <a:sym typeface="Arial"/>
       </a:defRPr>
     </a:lvl2pPr>
-    <a:lvl3pPr lvl="2" marR="0" rtl="0" algn="l">
+    <a:lvl3pPr marR="0" lvl="2" algn="l" rtl="0">
       <a:lnSpc>
         <a:spcPct val="100000"/>
       </a:lnSpc>
@@ -528,7 +627,7 @@
         <a:srgbClr val="000000"/>
       </a:buClr>
       <a:buFont typeface="Arial"/>
-      <a:defRPr b="0" i="0" sz="1400" u="none" cap="none" strike="noStrike">
+      <a:defRPr sz="1400" b="0" i="0" u="none" strike="noStrike" cap="none">
         <a:solidFill>
           <a:srgbClr val="000000"/>
         </a:solidFill>
@@ -538,7 +637,7 @@
         <a:sym typeface="Arial"/>
       </a:defRPr>
     </a:lvl3pPr>
-    <a:lvl4pPr lvl="3" marR="0" rtl="0" algn="l">
+    <a:lvl4pPr marR="0" lvl="3" algn="l" rtl="0">
       <a:lnSpc>
         <a:spcPct val="100000"/>
       </a:lnSpc>
@@ -552,7 +651,7 @@
         <a:srgbClr val="000000"/>
       </a:buClr>
       <a:buFont typeface="Arial"/>
-      <a:defRPr b="0" i="0" sz="1400" u="none" cap="none" strike="noStrike">
+      <a:defRPr sz="1400" b="0" i="0" u="none" strike="noStrike" cap="none">
         <a:solidFill>
           <a:srgbClr val="000000"/>
         </a:solidFill>
@@ -562,7 +661,7 @@
         <a:sym typeface="Arial"/>
       </a:defRPr>
     </a:lvl4pPr>
-    <a:lvl5pPr lvl="4" marR="0" rtl="0" algn="l">
+    <a:lvl5pPr marR="0" lvl="4" algn="l" rtl="0">
       <a:lnSpc>
         <a:spcPct val="100000"/>
       </a:lnSpc>
@@ -576,7 +675,7 @@
         <a:srgbClr val="000000"/>
       </a:buClr>
       <a:buFont typeface="Arial"/>
-      <a:defRPr b="0" i="0" sz="1400" u="none" cap="none" strike="noStrike">
+      <a:defRPr sz="1400" b="0" i="0" u="none" strike="noStrike" cap="none">
         <a:solidFill>
           <a:srgbClr val="000000"/>
         </a:solidFill>
@@ -586,7 +685,7 @@
         <a:sym typeface="Arial"/>
       </a:defRPr>
     </a:lvl5pPr>
-    <a:lvl6pPr lvl="5" marR="0" rtl="0" algn="l">
+    <a:lvl6pPr marR="0" lvl="5" algn="l" rtl="0">
       <a:lnSpc>
         <a:spcPct val="100000"/>
       </a:lnSpc>
@@ -600,7 +699,7 @@
         <a:srgbClr val="000000"/>
       </a:buClr>
       <a:buFont typeface="Arial"/>
-      <a:defRPr b="0" i="0" sz="1400" u="none" cap="none" strike="noStrike">
+      <a:defRPr sz="1400" b="0" i="0" u="none" strike="noStrike" cap="none">
         <a:solidFill>
           <a:srgbClr val="000000"/>
         </a:solidFill>
@@ -610,7 +709,7 @@
         <a:sym typeface="Arial"/>
       </a:defRPr>
     </a:lvl6pPr>
-    <a:lvl7pPr lvl="6" marR="0" rtl="0" algn="l">
+    <a:lvl7pPr marR="0" lvl="6" algn="l" rtl="0">
       <a:lnSpc>
         <a:spcPct val="100000"/>
       </a:lnSpc>
@@ -624,7 +723,7 @@
         <a:srgbClr val="000000"/>
       </a:buClr>
       <a:buFont typeface="Arial"/>
-      <a:defRPr b="0" i="0" sz="1400" u="none" cap="none" strike="noStrike">
+      <a:defRPr sz="1400" b="0" i="0" u="none" strike="noStrike" cap="none">
         <a:solidFill>
           <a:srgbClr val="000000"/>
         </a:solidFill>
@@ -634,7 +733,7 @@
         <a:sym typeface="Arial"/>
       </a:defRPr>
     </a:lvl7pPr>
-    <a:lvl8pPr lvl="7" marR="0" rtl="0" algn="l">
+    <a:lvl8pPr marR="0" lvl="7" algn="l" rtl="0">
       <a:lnSpc>
         <a:spcPct val="100000"/>
       </a:lnSpc>
@@ -648,7 +747,7 @@
         <a:srgbClr val="000000"/>
       </a:buClr>
       <a:buFont typeface="Arial"/>
-      <a:defRPr b="0" i="0" sz="1400" u="none" cap="none" strike="noStrike">
+      <a:defRPr sz="1400" b="0" i="0" u="none" strike="noStrike" cap="none">
         <a:solidFill>
           <a:srgbClr val="000000"/>
         </a:solidFill>
@@ -658,7 +757,7 @@
         <a:sym typeface="Arial"/>
       </a:defRPr>
     </a:lvl8pPr>
-    <a:lvl9pPr lvl="8" marR="0" rtl="0" algn="l">
+    <a:lvl9pPr marR="0" lvl="8" algn="l" rtl="0">
       <a:lnSpc>
         <a:spcPct val="100000"/>
       </a:lnSpc>
@@ -672,7 +771,7 @@
         <a:srgbClr val="000000"/>
       </a:buClr>
       <a:buFont typeface="Arial"/>
-      <a:defRPr b="0" i="0" sz="1400" u="none" cap="none" strike="noStrike">
+      <a:defRPr sz="1400" b="0" i="0" u="none" strike="noStrike" cap="none">
         <a:solidFill>
           <a:srgbClr val="000000"/>
         </a:solidFill>
@@ -687,11 +786,11 @@
 </file>
 
 <file path=ppt/notesSlides/notesSlide1.xml><?xml version="1.0" encoding="utf-8"?>
-<p:notes xmlns:a="http://schemas.openxmlformats.org/drawingml/2006/main" xmlns:r="http://schemas.openxmlformats.org/officeDocument/2006/relationships" xmlns:mc="http://schemas.openxmlformats.org/markup-compatibility/2006" xmlns:mv="urn:schemas-microsoft-com:mac:vml" xmlns:p="http://schemas.openxmlformats.org/presentationml/2006/main" xmlns:c="http://schemas.openxmlformats.org/drawingml/2006/chart" xmlns:dgm="http://schemas.openxmlformats.org/drawingml/2006/diagram" xmlns:o="urn:schemas-microsoft-com:office:office" xmlns:v="urn:schemas-microsoft-com:vml" xmlns:pvml="urn:schemas-microsoft-com:office:powerpoint" xmlns:com="http://schemas.openxmlformats.org/drawingml/2006/compatibility" xmlns:p14="http://schemas.microsoft.com/office/powerpoint/2010/main" xmlns:p15="http://schemas.microsoft.com/office/powerpoint/2012/main" showMasterPhAnim="0" showMasterSp="0">
+<p:notes xmlns:a="http://schemas.openxmlformats.org/drawingml/2006/main" xmlns:r="http://schemas.openxmlformats.org/officeDocument/2006/relationships" xmlns:p="http://schemas.openxmlformats.org/presentationml/2006/main" showMasterSp="0" showMasterPhAnim="0">
   <p:cSld>
     <p:spTree>
       <p:nvGrpSpPr>
-        <p:cNvPr id="50" name="Shape 50"/>
+        <p:cNvPr id="1" name="Shape 50"/>
         <p:cNvGrpSpPr/>
         <p:nvPr/>
       </p:nvGrpSpPr>
@@ -706,9 +805,11 @@
       <p:sp>
         <p:nvSpPr>
           <p:cNvPr id="51" name="Google Shape;51;p:notes"/>
-          <p:cNvSpPr/>
+          <p:cNvSpPr>
+            <a:spLocks noGrp="1" noRot="1" noChangeAspect="1"/>
+          </p:cNvSpPr>
           <p:nvPr>
-            <p:ph idx="2" type="sldImg"/>
+            <p:ph type="sldImg" idx="2"/>
           </p:nvPr>
         </p:nvSpPr>
         <p:spPr>
@@ -717,9 +818,13 @@
             <a:ext cx="6096075" cy="3429000"/>
           </a:xfrm>
           <a:custGeom>
-            <a:rect b="b" l="l" r="r" t="t"/>
+            <a:avLst/>
+            <a:gdLst/>
+            <a:ahLst/>
+            <a:cxnLst/>
+            <a:rect l="l" t="t" r="r" b="b"/>
             <a:pathLst>
-              <a:path extrusionOk="0" h="120000" w="120000">
+              <a:path w="120000" h="120000" extrusionOk="0">
                 <a:moveTo>
                   <a:pt x="0" y="0"/>
                 </a:moveTo>
@@ -741,9 +846,11 @@
       <p:sp>
         <p:nvSpPr>
           <p:cNvPr id="52" name="Google Shape;52;p:notes"/>
-          <p:cNvSpPr txBox="1"/>
+          <p:cNvSpPr txBox="1">
+            <a:spLocks noGrp="1"/>
+          </p:cNvSpPr>
           <p:nvPr>
-            <p:ph idx="1" type="body"/>
+            <p:ph type="body" idx="1"/>
           </p:nvPr>
         </p:nvSpPr>
         <p:spPr>
@@ -756,12 +863,12 @@
           </a:prstGeom>
         </p:spPr>
         <p:txBody>
-          <a:bodyPr anchorCtr="0" anchor="t" bIns="91425" lIns="91425" spcFirstLastPara="1" rIns="91425" wrap="square" tIns="91425">
+          <a:bodyPr spcFirstLastPara="1" wrap="square" lIns="91425" tIns="91425" rIns="91425" bIns="91425" anchor="t" anchorCtr="0">
             <a:noAutofit/>
           </a:bodyPr>
           <a:lstStyle/>
           <a:p>
-            <a:pPr indent="0" lvl="0" marL="0" rtl="0" algn="l">
+            <a:pPr marL="0" lvl="0" indent="0" algn="l" rtl="0">
               <a:spcBef>
                 <a:spcPts val="0"/>
               </a:spcBef>
@@ -770,9 +877,6 @@
               </a:spcAft>
               <a:buNone/>
             </a:pPr>
-            <a:r>
-              <a:t/>
-            </a:r>
             <a:endParaRPr/>
           </a:p>
         </p:txBody>
@@ -786,11 +890,11 @@
 </file>
 
 <file path=ppt/notesSlides/notesSlide2.xml><?xml version="1.0" encoding="utf-8"?>
-<p:notes xmlns:a="http://schemas.openxmlformats.org/drawingml/2006/main" xmlns:r="http://schemas.openxmlformats.org/officeDocument/2006/relationships" xmlns:mc="http://schemas.openxmlformats.org/markup-compatibility/2006" xmlns:mv="urn:schemas-microsoft-com:mac:vml" xmlns:p="http://schemas.openxmlformats.org/presentationml/2006/main" xmlns:c="http://schemas.openxmlformats.org/drawingml/2006/chart" xmlns:dgm="http://schemas.openxmlformats.org/drawingml/2006/diagram" xmlns:o="urn:schemas-microsoft-com:office:office" xmlns:v="urn:schemas-microsoft-com:vml" xmlns:pvml="urn:schemas-microsoft-com:office:powerpoint" xmlns:com="http://schemas.openxmlformats.org/drawingml/2006/compatibility" xmlns:p14="http://schemas.microsoft.com/office/powerpoint/2010/main" xmlns:p15="http://schemas.microsoft.com/office/powerpoint/2012/main" showMasterPhAnim="0" showMasterSp="0">
+<p:notes xmlns:a="http://schemas.openxmlformats.org/drawingml/2006/main" xmlns:r="http://schemas.openxmlformats.org/officeDocument/2006/relationships" xmlns:p="http://schemas.openxmlformats.org/presentationml/2006/main" showMasterSp="0" showMasterPhAnim="0">
   <p:cSld>
     <p:spTree>
       <p:nvGrpSpPr>
-        <p:cNvPr id="56" name="Shape 56"/>
+        <p:cNvPr id="1" name="Shape 56"/>
         <p:cNvGrpSpPr/>
         <p:nvPr/>
       </p:nvGrpSpPr>
@@ -805,20 +909,26 @@
       <p:sp>
         <p:nvSpPr>
           <p:cNvPr id="57" name="Google Shape;57;g42d8bc141b_0_7:notes"/>
-          <p:cNvSpPr/>
+          <p:cNvSpPr>
+            <a:spLocks noGrp="1" noRot="1" noChangeAspect="1"/>
+          </p:cNvSpPr>
           <p:nvPr>
-            <p:ph idx="2" type="sldImg"/>
+            <p:ph type="sldImg" idx="2"/>
           </p:nvPr>
         </p:nvSpPr>
         <p:spPr>
           <a:xfrm>
-            <a:off x="381300" y="685800"/>
+            <a:off x="381000" y="685800"/>
             <a:ext cx="6096000" cy="3429000"/>
           </a:xfrm>
           <a:custGeom>
-            <a:rect b="b" l="l" r="r" t="t"/>
+            <a:avLst/>
+            <a:gdLst/>
+            <a:ahLst/>
+            <a:cxnLst/>
+            <a:rect l="l" t="t" r="r" b="b"/>
             <a:pathLst>
-              <a:path extrusionOk="0" h="120000" w="120000">
+              <a:path w="120000" h="120000" extrusionOk="0">
                 <a:moveTo>
                   <a:pt x="0" y="0"/>
                 </a:moveTo>
@@ -840,9 +950,11 @@
       <p:sp>
         <p:nvSpPr>
           <p:cNvPr id="58" name="Google Shape;58;g42d8bc141b_0_7:notes"/>
-          <p:cNvSpPr txBox="1"/>
+          <p:cNvSpPr txBox="1">
+            <a:spLocks noGrp="1"/>
+          </p:cNvSpPr>
           <p:nvPr>
-            <p:ph idx="1" type="body"/>
+            <p:ph type="body" idx="1"/>
           </p:nvPr>
         </p:nvSpPr>
         <p:spPr>
@@ -855,12 +967,12 @@
           </a:prstGeom>
         </p:spPr>
         <p:txBody>
-          <a:bodyPr anchorCtr="0" anchor="t" bIns="91425" lIns="91425" spcFirstLastPara="1" rIns="91425" wrap="square" tIns="91425">
+          <a:bodyPr spcFirstLastPara="1" wrap="square" lIns="91425" tIns="91425" rIns="91425" bIns="91425" anchor="t" anchorCtr="0">
             <a:noAutofit/>
           </a:bodyPr>
           <a:lstStyle/>
           <a:p>
-            <a:pPr indent="0" lvl="0" marL="0" rtl="0" algn="l">
+            <a:pPr marL="0" lvl="0" indent="0" algn="l" rtl="0">
               <a:spcBef>
                 <a:spcPts val="0"/>
               </a:spcBef>
@@ -869,9 +981,6 @@
               </a:spcAft>
               <a:buNone/>
             </a:pPr>
-            <a:r>
-              <a:t/>
-            </a:r>
             <a:endParaRPr/>
           </a:p>
         </p:txBody>
@@ -885,11 +994,11 @@
 </file>
 
 <file path=ppt/notesSlides/notesSlide3.xml><?xml version="1.0" encoding="utf-8"?>
-<p:notes xmlns:a="http://schemas.openxmlformats.org/drawingml/2006/main" xmlns:r="http://schemas.openxmlformats.org/officeDocument/2006/relationships" xmlns:mc="http://schemas.openxmlformats.org/markup-compatibility/2006" xmlns:mv="urn:schemas-microsoft-com:mac:vml" xmlns:p="http://schemas.openxmlformats.org/presentationml/2006/main" xmlns:c="http://schemas.openxmlformats.org/drawingml/2006/chart" xmlns:dgm="http://schemas.openxmlformats.org/drawingml/2006/diagram" xmlns:o="urn:schemas-microsoft-com:office:office" xmlns:v="urn:schemas-microsoft-com:vml" xmlns:pvml="urn:schemas-microsoft-com:office:powerpoint" xmlns:com="http://schemas.openxmlformats.org/drawingml/2006/compatibility" xmlns:p14="http://schemas.microsoft.com/office/powerpoint/2010/main" xmlns:p15="http://schemas.microsoft.com/office/powerpoint/2012/main" showMasterPhAnim="0" showMasterSp="0">
+<p:notes xmlns:a="http://schemas.openxmlformats.org/drawingml/2006/main" xmlns:r="http://schemas.openxmlformats.org/officeDocument/2006/relationships" xmlns:p="http://schemas.openxmlformats.org/presentationml/2006/main" showMasterSp="0" showMasterPhAnim="0">
   <p:cSld>
     <p:spTree>
       <p:nvGrpSpPr>
-        <p:cNvPr id="63" name="Shape 63"/>
+        <p:cNvPr id="1" name="Shape 63"/>
         <p:cNvGrpSpPr/>
         <p:nvPr/>
       </p:nvGrpSpPr>
@@ -904,20 +1013,26 @@
       <p:sp>
         <p:nvSpPr>
           <p:cNvPr id="64" name="Google Shape;64;g42d8bc141b_0_12:notes"/>
-          <p:cNvSpPr/>
+          <p:cNvSpPr>
+            <a:spLocks noGrp="1" noRot="1" noChangeAspect="1"/>
+          </p:cNvSpPr>
           <p:nvPr>
-            <p:ph idx="2" type="sldImg"/>
+            <p:ph type="sldImg" idx="2"/>
           </p:nvPr>
         </p:nvSpPr>
         <p:spPr>
           <a:xfrm>
-            <a:off x="381300" y="685800"/>
+            <a:off x="381000" y="685800"/>
             <a:ext cx="6096000" cy="3429000"/>
           </a:xfrm>
           <a:custGeom>
-            <a:rect b="b" l="l" r="r" t="t"/>
+            <a:avLst/>
+            <a:gdLst/>
+            <a:ahLst/>
+            <a:cxnLst/>
+            <a:rect l="l" t="t" r="r" b="b"/>
             <a:pathLst>
-              <a:path extrusionOk="0" h="120000" w="120000">
+              <a:path w="120000" h="120000" extrusionOk="0">
                 <a:moveTo>
                   <a:pt x="0" y="0"/>
                 </a:moveTo>
@@ -939,9 +1054,11 @@
       <p:sp>
         <p:nvSpPr>
           <p:cNvPr id="65" name="Google Shape;65;g42d8bc141b_0_12:notes"/>
-          <p:cNvSpPr txBox="1"/>
+          <p:cNvSpPr txBox="1">
+            <a:spLocks noGrp="1"/>
+          </p:cNvSpPr>
           <p:nvPr>
-            <p:ph idx="1" type="body"/>
+            <p:ph type="body" idx="1"/>
           </p:nvPr>
         </p:nvSpPr>
         <p:spPr>
@@ -954,12 +1071,12 @@
           </a:prstGeom>
         </p:spPr>
         <p:txBody>
-          <a:bodyPr anchorCtr="0" anchor="t" bIns="91425" lIns="91425" spcFirstLastPara="1" rIns="91425" wrap="square" tIns="91425">
+          <a:bodyPr spcFirstLastPara="1" wrap="square" lIns="91425" tIns="91425" rIns="91425" bIns="91425" anchor="t" anchorCtr="0">
             <a:noAutofit/>
           </a:bodyPr>
           <a:lstStyle/>
           <a:p>
-            <a:pPr indent="0" lvl="0" marL="0" rtl="0" algn="l">
+            <a:pPr marL="0" lvl="0" indent="0" algn="l" rtl="0">
               <a:spcBef>
                 <a:spcPts val="0"/>
               </a:spcBef>
@@ -968,9 +1085,6 @@
               </a:spcAft>
               <a:buNone/>
             </a:pPr>
-            <a:r>
-              <a:t/>
-            </a:r>
             <a:endParaRPr/>
           </a:p>
         </p:txBody>
@@ -983,12 +1097,121 @@
 </p:notes>
 </file>
 
+<file path=ppt/notesSlides/notesSlide4.xml><?xml version="1.0" encoding="utf-8"?>
+<p:notes xmlns:a="http://schemas.openxmlformats.org/drawingml/2006/main" xmlns:r="http://schemas.openxmlformats.org/officeDocument/2006/relationships" xmlns:p="http://schemas.openxmlformats.org/presentationml/2006/main" showMasterSp="0" showMasterPhAnim="0">
+  <p:cSld>
+    <p:spTree>
+      <p:nvGrpSpPr>
+        <p:cNvPr id="1" name="Shape 63"/>
+        <p:cNvGrpSpPr/>
+        <p:nvPr/>
+      </p:nvGrpSpPr>
+      <p:grpSpPr>
+        <a:xfrm>
+          <a:off x="0" y="0"/>
+          <a:ext cx="0" cy="0"/>
+          <a:chOff x="0" y="0"/>
+          <a:chExt cx="0" cy="0"/>
+        </a:xfrm>
+      </p:grpSpPr>
+      <p:sp>
+        <p:nvSpPr>
+          <p:cNvPr id="64" name="Google Shape;64;g42d8bc141b_0_12:notes"/>
+          <p:cNvSpPr>
+            <a:spLocks noGrp="1" noRot="1" noChangeAspect="1"/>
+          </p:cNvSpPr>
+          <p:nvPr>
+            <p:ph type="sldImg" idx="2"/>
+          </p:nvPr>
+        </p:nvSpPr>
+        <p:spPr>
+          <a:xfrm>
+            <a:off x="381000" y="685800"/>
+            <a:ext cx="6096000" cy="3429000"/>
+          </a:xfrm>
+          <a:custGeom>
+            <a:avLst/>
+            <a:gdLst/>
+            <a:ahLst/>
+            <a:cxnLst/>
+            <a:rect l="l" t="t" r="r" b="b"/>
+            <a:pathLst>
+              <a:path w="120000" h="120000" extrusionOk="0">
+                <a:moveTo>
+                  <a:pt x="0" y="0"/>
+                </a:moveTo>
+                <a:lnTo>
+                  <a:pt x="120000" y="0"/>
+                </a:lnTo>
+                <a:lnTo>
+                  <a:pt x="120000" y="120000"/>
+                </a:lnTo>
+                <a:lnTo>
+                  <a:pt x="0" y="120000"/>
+                </a:lnTo>
+                <a:close/>
+              </a:path>
+            </a:pathLst>
+          </a:custGeom>
+        </p:spPr>
+      </p:sp>
+      <p:sp>
+        <p:nvSpPr>
+          <p:cNvPr id="65" name="Google Shape;65;g42d8bc141b_0_12:notes"/>
+          <p:cNvSpPr txBox="1">
+            <a:spLocks noGrp="1"/>
+          </p:cNvSpPr>
+          <p:nvPr>
+            <p:ph type="body" idx="1"/>
+          </p:nvPr>
+        </p:nvSpPr>
+        <p:spPr>
+          <a:xfrm>
+            <a:off x="685800" y="4343400"/>
+            <a:ext cx="5486400" cy="4114800"/>
+          </a:xfrm>
+          <a:prstGeom prst="rect">
+            <a:avLst/>
+          </a:prstGeom>
+        </p:spPr>
+        <p:txBody>
+          <a:bodyPr spcFirstLastPara="1" wrap="square" lIns="91425" tIns="91425" rIns="91425" bIns="91425" anchor="t" anchorCtr="0">
+            <a:noAutofit/>
+          </a:bodyPr>
+          <a:lstStyle/>
+          <a:p>
+            <a:pPr marL="0" lvl="0" indent="0" algn="l" rtl="0">
+              <a:spcBef>
+                <a:spcPts val="0"/>
+              </a:spcBef>
+              <a:spcAft>
+                <a:spcPts val="0"/>
+              </a:spcAft>
+              <a:buNone/>
+            </a:pPr>
+            <a:endParaRPr/>
+          </a:p>
+        </p:txBody>
+      </p:sp>
+    </p:spTree>
+    <p:extLst>
+      <p:ext uri="{BB962C8B-B14F-4D97-AF65-F5344CB8AC3E}">
+        <p14:creationId xmlns:p14="http://schemas.microsoft.com/office/powerpoint/2010/main" val="2083772962"/>
+      </p:ext>
+    </p:extLst>
+  </p:cSld>
+  <p:clrMapOvr>
+    <a:masterClrMapping/>
+  </p:clrMapOvr>
+</p:notes>
+</file>
+
 <file path=ppt/slideLayouts/slideLayout1.xml><?xml version="1.0" encoding="utf-8"?>
-<p:sldLayout xmlns:a="http://schemas.openxmlformats.org/drawingml/2006/main" xmlns:r="http://schemas.openxmlformats.org/officeDocument/2006/relationships" xmlns:mc="http://schemas.openxmlformats.org/markup-compatibility/2006" xmlns:mv="urn:schemas-microsoft-com:mac:vml" xmlns:p="http://schemas.openxmlformats.org/presentationml/2006/main" xmlns:c="http://schemas.openxmlformats.org/drawingml/2006/chart" xmlns:dgm="http://schemas.openxmlformats.org/drawingml/2006/diagram" xmlns:o="urn:schemas-microsoft-com:office:office" xmlns:v="urn:schemas-microsoft-com:vml" xmlns:pvml="urn:schemas-microsoft-com:office:powerpoint" xmlns:com="http://schemas.openxmlformats.org/drawingml/2006/compatibility" xmlns:p14="http://schemas.microsoft.com/office/powerpoint/2010/main" xmlns:p15="http://schemas.microsoft.com/office/powerpoint/2012/main" matchingName="Title slide" type="title">
+<p:sldLayout xmlns:a="http://schemas.openxmlformats.org/drawingml/2006/main" xmlns:r="http://schemas.openxmlformats.org/officeDocument/2006/relationships" xmlns:p="http://schemas.openxmlformats.org/presentationml/2006/main" matchingName="Title slide" type="title">
   <p:cSld name="TITLE">
     <p:spTree>
       <p:nvGrpSpPr>
-        <p:cNvPr id="9" name="Shape 9"/>
+        <p:cNvPr id="1" name="Shape 9"/>
         <p:cNvGrpSpPr/>
         <p:nvPr/>
       </p:nvGrpSpPr>
@@ -1003,7 +1226,9 @@
       <p:sp>
         <p:nvSpPr>
           <p:cNvPr id="10" name="Google Shape;10;p2"/>
-          <p:cNvSpPr txBox="1"/>
+          <p:cNvSpPr txBox="1">
+            <a:spLocks noGrp="1"/>
+          </p:cNvSpPr>
           <p:nvPr>
             <p:ph type="ctrTitle"/>
           </p:nvPr>
@@ -1018,7 +1243,7 @@
           </a:prstGeom>
         </p:spPr>
         <p:txBody>
-          <a:bodyPr anchorCtr="0" anchor="b" bIns="91425" lIns="91425" spcFirstLastPara="1" rIns="91425" wrap="square" tIns="91425"/>
+          <a:bodyPr spcFirstLastPara="1" wrap="square" lIns="91425" tIns="91425" rIns="91425" bIns="91425" anchor="b" anchorCtr="0"/>
           <a:lstStyle>
             <a:lvl1pPr lvl="0" algn="ctr">
               <a:spcBef>
@@ -1120,15 +1345,19 @@
               <a:defRPr sz="5200"/>
             </a:lvl9pPr>
           </a:lstStyle>
-          <a:p/>
+          <a:p>
+            <a:endParaRPr/>
+          </a:p>
         </p:txBody>
       </p:sp>
       <p:sp>
         <p:nvSpPr>
           <p:cNvPr id="11" name="Google Shape;11;p2"/>
-          <p:cNvSpPr txBox="1"/>
+          <p:cNvSpPr txBox="1">
+            <a:spLocks noGrp="1"/>
+          </p:cNvSpPr>
           <p:nvPr>
-            <p:ph idx="1" type="subTitle"/>
+            <p:ph type="subTitle" idx="1"/>
           </p:nvPr>
         </p:nvSpPr>
         <p:spPr>
@@ -1141,7 +1370,7 @@
           </a:prstGeom>
         </p:spPr>
         <p:txBody>
-          <a:bodyPr anchorCtr="0" anchor="t" bIns="91425" lIns="91425" spcFirstLastPara="1" rIns="91425" wrap="square" tIns="91425"/>
+          <a:bodyPr spcFirstLastPara="1" wrap="square" lIns="91425" tIns="91425" rIns="91425" bIns="91425" anchor="t" anchorCtr="0"/>
           <a:lstStyle>
             <a:lvl1pPr lvl="0" algn="ctr">
               <a:lnSpc>
@@ -1270,15 +1499,19 @@
               <a:defRPr sz="2800"/>
             </a:lvl9pPr>
           </a:lstStyle>
-          <a:p/>
+          <a:p>
+            <a:endParaRPr/>
+          </a:p>
         </p:txBody>
       </p:sp>
       <p:sp>
         <p:nvSpPr>
           <p:cNvPr id="12" name="Google Shape;12;p2"/>
-          <p:cNvSpPr txBox="1"/>
+          <p:cNvSpPr txBox="1">
+            <a:spLocks noGrp="1"/>
+          </p:cNvSpPr>
           <p:nvPr>
-            <p:ph idx="12" type="sldNum"/>
+            <p:ph type="sldNum" idx="12"/>
           </p:nvPr>
         </p:nvSpPr>
         <p:spPr>
@@ -1291,7 +1524,7 @@
           </a:prstGeom>
         </p:spPr>
         <p:txBody>
-          <a:bodyPr anchorCtr="0" anchor="ctr" bIns="91425" lIns="91425" spcFirstLastPara="1" rIns="91425" wrap="square" tIns="91425">
+          <a:bodyPr spcFirstLastPara="1" wrap="square" lIns="91425" tIns="91425" rIns="91425" bIns="91425" anchor="ctr" anchorCtr="0">
             <a:noAutofit/>
           </a:bodyPr>
           <a:lstStyle>
@@ -1333,7 +1566,7 @@
             </a:lvl9pPr>
           </a:lstStyle>
           <a:p>
-            <a:pPr indent="0" lvl="0" marL="0" rtl="0" algn="r">
+            <a:pPr marL="0" lvl="0" indent="0" algn="r" rtl="0">
               <a:spcBef>
                 <a:spcPts val="0"/>
               </a:spcBef>
@@ -1359,11 +1592,11 @@
 </file>
 
 <file path=ppt/slideLayouts/slideLayout10.xml><?xml version="1.0" encoding="utf-8"?>
-<p:sldLayout xmlns:a="http://schemas.openxmlformats.org/drawingml/2006/main" xmlns:r="http://schemas.openxmlformats.org/officeDocument/2006/relationships" xmlns:mc="http://schemas.openxmlformats.org/markup-compatibility/2006" xmlns:mv="urn:schemas-microsoft-com:mac:vml" xmlns:p="http://schemas.openxmlformats.org/presentationml/2006/main" xmlns:c="http://schemas.openxmlformats.org/drawingml/2006/chart" xmlns:dgm="http://schemas.openxmlformats.org/drawingml/2006/diagram" xmlns:o="urn:schemas-microsoft-com:office:office" xmlns:v="urn:schemas-microsoft-com:vml" xmlns:pvml="urn:schemas-microsoft-com:office:powerpoint" xmlns:com="http://schemas.openxmlformats.org/drawingml/2006/compatibility" xmlns:p14="http://schemas.microsoft.com/office/powerpoint/2010/main" xmlns:p15="http://schemas.microsoft.com/office/powerpoint/2012/main" matchingName="Big number">
+<p:sldLayout xmlns:a="http://schemas.openxmlformats.org/drawingml/2006/main" xmlns:r="http://schemas.openxmlformats.org/officeDocument/2006/relationships" xmlns:p="http://schemas.openxmlformats.org/presentationml/2006/main" matchingName="Big number">
   <p:cSld name="BIG_NUMBER">
     <p:spTree>
       <p:nvGrpSpPr>
-        <p:cNvPr id="44" name="Shape 44"/>
+        <p:cNvPr id="1" name="Shape 44"/>
         <p:cNvGrpSpPr/>
         <p:nvPr/>
       </p:nvGrpSpPr>
@@ -1378,9 +1611,11 @@
       <p:sp>
         <p:nvSpPr>
           <p:cNvPr id="45" name="Google Shape;45;p11"/>
-          <p:cNvSpPr txBox="1"/>
+          <p:cNvSpPr txBox="1">
+            <a:spLocks noGrp="1"/>
+          </p:cNvSpPr>
           <p:nvPr>
-            <p:ph hasCustomPrompt="1" type="title"/>
+            <p:ph type="title" hasCustomPrompt="1"/>
           </p:nvPr>
         </p:nvSpPr>
         <p:spPr>
@@ -1393,7 +1628,7 @@
           </a:prstGeom>
         </p:spPr>
         <p:txBody>
-          <a:bodyPr anchorCtr="0" anchor="b" bIns="91425" lIns="91425" spcFirstLastPara="1" rIns="91425" wrap="square" tIns="91425"/>
+          <a:bodyPr spcFirstLastPara="1" wrap="square" lIns="91425" tIns="91425" rIns="91425" bIns="91425" anchor="b" anchorCtr="0"/>
           <a:lstStyle>
             <a:lvl1pPr lvl="0" algn="ctr">
               <a:spcBef>
@@ -1505,9 +1740,11 @@
       <p:sp>
         <p:nvSpPr>
           <p:cNvPr id="46" name="Google Shape;46;p11"/>
-          <p:cNvSpPr txBox="1"/>
+          <p:cNvSpPr txBox="1">
+            <a:spLocks noGrp="1"/>
+          </p:cNvSpPr>
           <p:nvPr>
-            <p:ph idx="1" type="body"/>
+            <p:ph type="body" idx="1"/>
           </p:nvPr>
         </p:nvSpPr>
         <p:spPr>
@@ -1520,9 +1757,9 @@
           </a:prstGeom>
         </p:spPr>
         <p:txBody>
-          <a:bodyPr anchorCtr="0" anchor="t" bIns="91425" lIns="91425" spcFirstLastPara="1" rIns="91425" wrap="square" tIns="91425"/>
+          <a:bodyPr spcFirstLastPara="1" wrap="square" lIns="91425" tIns="91425" rIns="91425" bIns="91425" anchor="t" anchorCtr="0"/>
           <a:lstStyle>
-            <a:lvl1pPr indent="-342900" lvl="0" marL="457200" algn="ctr">
+            <a:lvl1pPr marL="457200" lvl="0" indent="-342900" algn="ctr">
               <a:spcBef>
                 <a:spcPts val="0"/>
               </a:spcBef>
@@ -1533,7 +1770,7 @@
               <a:buChar char="●"/>
               <a:defRPr/>
             </a:lvl1pPr>
-            <a:lvl2pPr indent="-317500" lvl="1" marL="914400" algn="ctr">
+            <a:lvl2pPr marL="914400" lvl="1" indent="-317500" algn="ctr">
               <a:spcBef>
                 <a:spcPts val="1600"/>
               </a:spcBef>
@@ -1544,7 +1781,7 @@
               <a:buChar char="○"/>
               <a:defRPr/>
             </a:lvl2pPr>
-            <a:lvl3pPr indent="-317500" lvl="2" marL="1371600" algn="ctr">
+            <a:lvl3pPr marL="1371600" lvl="2" indent="-317500" algn="ctr">
               <a:spcBef>
                 <a:spcPts val="1600"/>
               </a:spcBef>
@@ -1555,7 +1792,7 @@
               <a:buChar char="■"/>
               <a:defRPr/>
             </a:lvl3pPr>
-            <a:lvl4pPr indent="-317500" lvl="3" marL="1828800" algn="ctr">
+            <a:lvl4pPr marL="1828800" lvl="3" indent="-317500" algn="ctr">
               <a:spcBef>
                 <a:spcPts val="1600"/>
               </a:spcBef>
@@ -1566,7 +1803,7 @@
               <a:buChar char="●"/>
               <a:defRPr/>
             </a:lvl4pPr>
-            <a:lvl5pPr indent="-317500" lvl="4" marL="2286000" algn="ctr">
+            <a:lvl5pPr marL="2286000" lvl="4" indent="-317500" algn="ctr">
               <a:spcBef>
                 <a:spcPts val="1600"/>
               </a:spcBef>
@@ -1577,7 +1814,7 @@
               <a:buChar char="○"/>
               <a:defRPr/>
             </a:lvl5pPr>
-            <a:lvl6pPr indent="-317500" lvl="5" marL="2743200" algn="ctr">
+            <a:lvl6pPr marL="2743200" lvl="5" indent="-317500" algn="ctr">
               <a:spcBef>
                 <a:spcPts val="1600"/>
               </a:spcBef>
@@ -1588,7 +1825,7 @@
               <a:buChar char="■"/>
               <a:defRPr/>
             </a:lvl6pPr>
-            <a:lvl7pPr indent="-317500" lvl="6" marL="3200400" algn="ctr">
+            <a:lvl7pPr marL="3200400" lvl="6" indent="-317500" algn="ctr">
               <a:spcBef>
                 <a:spcPts val="1600"/>
               </a:spcBef>
@@ -1599,7 +1836,7 @@
               <a:buChar char="●"/>
               <a:defRPr/>
             </a:lvl7pPr>
-            <a:lvl8pPr indent="-317500" lvl="7" marL="3657600" algn="ctr">
+            <a:lvl8pPr marL="3657600" lvl="7" indent="-317500" algn="ctr">
               <a:spcBef>
                 <a:spcPts val="1600"/>
               </a:spcBef>
@@ -1610,7 +1847,7 @@
               <a:buChar char="○"/>
               <a:defRPr/>
             </a:lvl8pPr>
-            <a:lvl9pPr indent="-317500" lvl="8" marL="4114800" algn="ctr">
+            <a:lvl9pPr marL="4114800" lvl="8" indent="-317500" algn="ctr">
               <a:spcBef>
                 <a:spcPts val="1600"/>
               </a:spcBef>
@@ -1622,15 +1859,19 @@
               <a:defRPr/>
             </a:lvl9pPr>
           </a:lstStyle>
-          <a:p/>
+          <a:p>
+            <a:endParaRPr/>
+          </a:p>
         </p:txBody>
       </p:sp>
       <p:sp>
         <p:nvSpPr>
           <p:cNvPr id="47" name="Google Shape;47;p11"/>
-          <p:cNvSpPr txBox="1"/>
+          <p:cNvSpPr txBox="1">
+            <a:spLocks noGrp="1"/>
+          </p:cNvSpPr>
           <p:nvPr>
-            <p:ph idx="12" type="sldNum"/>
+            <p:ph type="sldNum" idx="12"/>
           </p:nvPr>
         </p:nvSpPr>
         <p:spPr>
@@ -1643,7 +1884,7 @@
           </a:prstGeom>
         </p:spPr>
         <p:txBody>
-          <a:bodyPr anchorCtr="0" anchor="ctr" bIns="91425" lIns="91425" spcFirstLastPara="1" rIns="91425" wrap="square" tIns="91425">
+          <a:bodyPr spcFirstLastPara="1" wrap="square" lIns="91425" tIns="91425" rIns="91425" bIns="91425" anchor="ctr" anchorCtr="0">
             <a:noAutofit/>
           </a:bodyPr>
           <a:lstStyle>
@@ -1685,7 +1926,7 @@
             </a:lvl9pPr>
           </a:lstStyle>
           <a:p>
-            <a:pPr indent="0" lvl="0" marL="0" rtl="0" algn="r">
+            <a:pPr marL="0" lvl="0" indent="0" algn="r" rtl="0">
               <a:spcBef>
                 <a:spcPts val="0"/>
               </a:spcBef>
@@ -1711,11 +1952,11 @@
 </file>
 
 <file path=ppt/slideLayouts/slideLayout11.xml><?xml version="1.0" encoding="utf-8"?>
-<p:sldLayout xmlns:a="http://schemas.openxmlformats.org/drawingml/2006/main" xmlns:r="http://schemas.openxmlformats.org/officeDocument/2006/relationships" xmlns:mc="http://schemas.openxmlformats.org/markup-compatibility/2006" xmlns:mv="urn:schemas-microsoft-com:mac:vml" xmlns:p="http://schemas.openxmlformats.org/presentationml/2006/main" xmlns:c="http://schemas.openxmlformats.org/drawingml/2006/chart" xmlns:dgm="http://schemas.openxmlformats.org/drawingml/2006/diagram" xmlns:o="urn:schemas-microsoft-com:office:office" xmlns:v="urn:schemas-microsoft-com:vml" xmlns:pvml="urn:schemas-microsoft-com:office:powerpoint" xmlns:com="http://schemas.openxmlformats.org/drawingml/2006/compatibility" xmlns:p14="http://schemas.microsoft.com/office/powerpoint/2010/main" xmlns:p15="http://schemas.microsoft.com/office/powerpoint/2012/main" matchingName="Blank" type="blank">
+<p:sldLayout xmlns:a="http://schemas.openxmlformats.org/drawingml/2006/main" xmlns:r="http://schemas.openxmlformats.org/officeDocument/2006/relationships" xmlns:p="http://schemas.openxmlformats.org/presentationml/2006/main" matchingName="Blank" type="blank">
   <p:cSld name="BLANK">
     <p:spTree>
       <p:nvGrpSpPr>
-        <p:cNvPr id="48" name="Shape 48"/>
+        <p:cNvPr id="1" name="Shape 48"/>
         <p:cNvGrpSpPr/>
         <p:nvPr/>
       </p:nvGrpSpPr>
@@ -1730,9 +1971,11 @@
       <p:sp>
         <p:nvSpPr>
           <p:cNvPr id="49" name="Google Shape;49;p12"/>
-          <p:cNvSpPr txBox="1"/>
+          <p:cNvSpPr txBox="1">
+            <a:spLocks noGrp="1"/>
+          </p:cNvSpPr>
           <p:nvPr>
-            <p:ph idx="12" type="sldNum"/>
+            <p:ph type="sldNum" idx="12"/>
           </p:nvPr>
         </p:nvSpPr>
         <p:spPr>
@@ -1745,7 +1988,7 @@
           </a:prstGeom>
         </p:spPr>
         <p:txBody>
-          <a:bodyPr anchorCtr="0" anchor="ctr" bIns="91425" lIns="91425" spcFirstLastPara="1" rIns="91425" wrap="square" tIns="91425">
+          <a:bodyPr spcFirstLastPara="1" wrap="square" lIns="91425" tIns="91425" rIns="91425" bIns="91425" anchor="ctr" anchorCtr="0">
             <a:noAutofit/>
           </a:bodyPr>
           <a:lstStyle>
@@ -1787,7 +2030,7 @@
             </a:lvl9pPr>
           </a:lstStyle>
           <a:p>
-            <a:pPr indent="0" lvl="0" marL="0" rtl="0" algn="r">
+            <a:pPr marL="0" lvl="0" indent="0" algn="r" rtl="0">
               <a:spcBef>
                 <a:spcPts val="0"/>
               </a:spcBef>
@@ -1813,11 +2056,11 @@
 </file>
 
 <file path=ppt/slideLayouts/slideLayout2.xml><?xml version="1.0" encoding="utf-8"?>
-<p:sldLayout xmlns:a="http://schemas.openxmlformats.org/drawingml/2006/main" xmlns:r="http://schemas.openxmlformats.org/officeDocument/2006/relationships" xmlns:mc="http://schemas.openxmlformats.org/markup-compatibility/2006" xmlns:mv="urn:schemas-microsoft-com:mac:vml" xmlns:p="http://schemas.openxmlformats.org/presentationml/2006/main" xmlns:c="http://schemas.openxmlformats.org/drawingml/2006/chart" xmlns:dgm="http://schemas.openxmlformats.org/drawingml/2006/diagram" xmlns:o="urn:schemas-microsoft-com:office:office" xmlns:v="urn:schemas-microsoft-com:vml" xmlns:pvml="urn:schemas-microsoft-com:office:powerpoint" xmlns:com="http://schemas.openxmlformats.org/drawingml/2006/compatibility" xmlns:p14="http://schemas.microsoft.com/office/powerpoint/2010/main" xmlns:p15="http://schemas.microsoft.com/office/powerpoint/2012/main" matchingName="Section header" type="secHead">
+<p:sldLayout xmlns:a="http://schemas.openxmlformats.org/drawingml/2006/main" xmlns:r="http://schemas.openxmlformats.org/officeDocument/2006/relationships" xmlns:p="http://schemas.openxmlformats.org/presentationml/2006/main" matchingName="Section header" type="secHead">
   <p:cSld name="SECTION_HEADER">
     <p:spTree>
       <p:nvGrpSpPr>
-        <p:cNvPr id="13" name="Shape 13"/>
+        <p:cNvPr id="1" name="Shape 13"/>
         <p:cNvGrpSpPr/>
         <p:nvPr/>
       </p:nvGrpSpPr>
@@ -1832,7 +2075,9 @@
       <p:sp>
         <p:nvSpPr>
           <p:cNvPr id="14" name="Google Shape;14;p3"/>
-          <p:cNvSpPr txBox="1"/>
+          <p:cNvSpPr txBox="1">
+            <a:spLocks noGrp="1"/>
+          </p:cNvSpPr>
           <p:nvPr>
             <p:ph type="title"/>
           </p:nvPr>
@@ -1847,7 +2092,7 @@
           </a:prstGeom>
         </p:spPr>
         <p:txBody>
-          <a:bodyPr anchorCtr="0" anchor="ctr" bIns="91425" lIns="91425" spcFirstLastPara="1" rIns="91425" wrap="square" tIns="91425"/>
+          <a:bodyPr spcFirstLastPara="1" wrap="square" lIns="91425" tIns="91425" rIns="91425" bIns="91425" anchor="ctr" anchorCtr="0"/>
           <a:lstStyle>
             <a:lvl1pPr lvl="0" algn="ctr">
               <a:spcBef>
@@ -1949,15 +2194,19 @@
               <a:defRPr sz="3600"/>
             </a:lvl9pPr>
           </a:lstStyle>
-          <a:p/>
+          <a:p>
+            <a:endParaRPr/>
+          </a:p>
         </p:txBody>
       </p:sp>
       <p:sp>
         <p:nvSpPr>
           <p:cNvPr id="15" name="Google Shape;15;p3"/>
-          <p:cNvSpPr txBox="1"/>
+          <p:cNvSpPr txBox="1">
+            <a:spLocks noGrp="1"/>
+          </p:cNvSpPr>
           <p:nvPr>
-            <p:ph idx="12" type="sldNum"/>
+            <p:ph type="sldNum" idx="12"/>
           </p:nvPr>
         </p:nvSpPr>
         <p:spPr>
@@ -1970,7 +2219,7 @@
           </a:prstGeom>
         </p:spPr>
         <p:txBody>
-          <a:bodyPr anchorCtr="0" anchor="ctr" bIns="91425" lIns="91425" spcFirstLastPara="1" rIns="91425" wrap="square" tIns="91425">
+          <a:bodyPr spcFirstLastPara="1" wrap="square" lIns="91425" tIns="91425" rIns="91425" bIns="91425" anchor="ctr" anchorCtr="0">
             <a:noAutofit/>
           </a:bodyPr>
           <a:lstStyle>
@@ -2012,7 +2261,7 @@
             </a:lvl9pPr>
           </a:lstStyle>
           <a:p>
-            <a:pPr indent="0" lvl="0" marL="0" rtl="0" algn="r">
+            <a:pPr marL="0" lvl="0" indent="0" algn="r" rtl="0">
               <a:spcBef>
                 <a:spcPts val="0"/>
               </a:spcBef>
@@ -2038,11 +2287,11 @@
 </file>
 
 <file path=ppt/slideLayouts/slideLayout3.xml><?xml version="1.0" encoding="utf-8"?>
-<p:sldLayout xmlns:a="http://schemas.openxmlformats.org/drawingml/2006/main" xmlns:r="http://schemas.openxmlformats.org/officeDocument/2006/relationships" xmlns:mc="http://schemas.openxmlformats.org/markup-compatibility/2006" xmlns:mv="urn:schemas-microsoft-com:mac:vml" xmlns:p="http://schemas.openxmlformats.org/presentationml/2006/main" xmlns:c="http://schemas.openxmlformats.org/drawingml/2006/chart" xmlns:dgm="http://schemas.openxmlformats.org/drawingml/2006/diagram" xmlns:o="urn:schemas-microsoft-com:office:office" xmlns:v="urn:schemas-microsoft-com:vml" xmlns:pvml="urn:schemas-microsoft-com:office:powerpoint" xmlns:com="http://schemas.openxmlformats.org/drawingml/2006/compatibility" xmlns:p14="http://schemas.microsoft.com/office/powerpoint/2010/main" xmlns:p15="http://schemas.microsoft.com/office/powerpoint/2012/main" matchingName="Title and body" type="tx">
+<p:sldLayout xmlns:a="http://schemas.openxmlformats.org/drawingml/2006/main" xmlns:r="http://schemas.openxmlformats.org/officeDocument/2006/relationships" xmlns:p="http://schemas.openxmlformats.org/presentationml/2006/main" matchingName="Title and body" type="tx">
   <p:cSld name="TITLE_AND_BODY">
     <p:spTree>
       <p:nvGrpSpPr>
-        <p:cNvPr id="16" name="Shape 16"/>
+        <p:cNvPr id="1" name="Shape 16"/>
         <p:cNvGrpSpPr/>
         <p:nvPr/>
       </p:nvGrpSpPr>
@@ -2057,7 +2306,9 @@
       <p:sp>
         <p:nvSpPr>
           <p:cNvPr id="17" name="Google Shape;17;p4"/>
-          <p:cNvSpPr txBox="1"/>
+          <p:cNvSpPr txBox="1">
+            <a:spLocks noGrp="1"/>
+          </p:cNvSpPr>
           <p:nvPr>
             <p:ph type="title"/>
           </p:nvPr>
@@ -2072,7 +2323,7 @@
           </a:prstGeom>
         </p:spPr>
         <p:txBody>
-          <a:bodyPr anchorCtr="0" anchor="t" bIns="91425" lIns="91425" spcFirstLastPara="1" rIns="91425" wrap="square" tIns="91425"/>
+          <a:bodyPr spcFirstLastPara="1" wrap="square" lIns="91425" tIns="91425" rIns="91425" bIns="91425" anchor="t" anchorCtr="0"/>
           <a:lstStyle>
             <a:lvl1pPr lvl="0">
               <a:spcBef>
@@ -2174,15 +2425,19 @@
               <a:defRPr/>
             </a:lvl9pPr>
           </a:lstStyle>
-          <a:p/>
+          <a:p>
+            <a:endParaRPr/>
+          </a:p>
         </p:txBody>
       </p:sp>
       <p:sp>
         <p:nvSpPr>
           <p:cNvPr id="18" name="Google Shape;18;p4"/>
-          <p:cNvSpPr txBox="1"/>
+          <p:cNvSpPr txBox="1">
+            <a:spLocks noGrp="1"/>
+          </p:cNvSpPr>
           <p:nvPr>
-            <p:ph idx="1" type="body"/>
+            <p:ph type="body" idx="1"/>
           </p:nvPr>
         </p:nvSpPr>
         <p:spPr>
@@ -2195,9 +2450,9 @@
           </a:prstGeom>
         </p:spPr>
         <p:txBody>
-          <a:bodyPr anchorCtr="0" anchor="t" bIns="91425" lIns="91425" spcFirstLastPara="1" rIns="91425" wrap="square" tIns="91425"/>
+          <a:bodyPr spcFirstLastPara="1" wrap="square" lIns="91425" tIns="91425" rIns="91425" bIns="91425" anchor="t" anchorCtr="0"/>
           <a:lstStyle>
-            <a:lvl1pPr indent="-342900" lvl="0" marL="457200">
+            <a:lvl1pPr marL="457200" lvl="0" indent="-342900">
               <a:spcBef>
                 <a:spcPts val="0"/>
               </a:spcBef>
@@ -2208,7 +2463,7 @@
               <a:buChar char="●"/>
               <a:defRPr/>
             </a:lvl1pPr>
-            <a:lvl2pPr indent="-317500" lvl="1" marL="914400">
+            <a:lvl2pPr marL="914400" lvl="1" indent="-317500">
               <a:spcBef>
                 <a:spcPts val="1600"/>
               </a:spcBef>
@@ -2219,7 +2474,7 @@
               <a:buChar char="○"/>
               <a:defRPr/>
             </a:lvl2pPr>
-            <a:lvl3pPr indent="-317500" lvl="2" marL="1371600">
+            <a:lvl3pPr marL="1371600" lvl="2" indent="-317500">
               <a:spcBef>
                 <a:spcPts val="1600"/>
               </a:spcBef>
@@ -2230,7 +2485,7 @@
               <a:buChar char="■"/>
               <a:defRPr/>
             </a:lvl3pPr>
-            <a:lvl4pPr indent="-317500" lvl="3" marL="1828800">
+            <a:lvl4pPr marL="1828800" lvl="3" indent="-317500">
               <a:spcBef>
                 <a:spcPts val="1600"/>
               </a:spcBef>
@@ -2241,7 +2496,7 @@
               <a:buChar char="●"/>
               <a:defRPr/>
             </a:lvl4pPr>
-            <a:lvl5pPr indent="-317500" lvl="4" marL="2286000">
+            <a:lvl5pPr marL="2286000" lvl="4" indent="-317500">
               <a:spcBef>
                 <a:spcPts val="1600"/>
               </a:spcBef>
@@ -2252,7 +2507,7 @@
               <a:buChar char="○"/>
               <a:defRPr/>
             </a:lvl5pPr>
-            <a:lvl6pPr indent="-317500" lvl="5" marL="2743200">
+            <a:lvl6pPr marL="2743200" lvl="5" indent="-317500">
               <a:spcBef>
                 <a:spcPts val="1600"/>
               </a:spcBef>
@@ -2263,7 +2518,7 @@
               <a:buChar char="■"/>
               <a:defRPr/>
             </a:lvl6pPr>
-            <a:lvl7pPr indent="-317500" lvl="6" marL="3200400">
+            <a:lvl7pPr marL="3200400" lvl="6" indent="-317500">
               <a:spcBef>
                 <a:spcPts val="1600"/>
               </a:spcBef>
@@ -2274,7 +2529,7 @@
               <a:buChar char="●"/>
               <a:defRPr/>
             </a:lvl7pPr>
-            <a:lvl8pPr indent="-317500" lvl="7" marL="3657600">
+            <a:lvl8pPr marL="3657600" lvl="7" indent="-317500">
               <a:spcBef>
                 <a:spcPts val="1600"/>
               </a:spcBef>
@@ -2285,7 +2540,7 @@
               <a:buChar char="○"/>
               <a:defRPr/>
             </a:lvl8pPr>
-            <a:lvl9pPr indent="-317500" lvl="8" marL="4114800">
+            <a:lvl9pPr marL="4114800" lvl="8" indent="-317500">
               <a:spcBef>
                 <a:spcPts val="1600"/>
               </a:spcBef>
@@ -2297,15 +2552,19 @@
               <a:defRPr/>
             </a:lvl9pPr>
           </a:lstStyle>
-          <a:p/>
+          <a:p>
+            <a:endParaRPr/>
+          </a:p>
         </p:txBody>
       </p:sp>
       <p:sp>
         <p:nvSpPr>
           <p:cNvPr id="19" name="Google Shape;19;p4"/>
-          <p:cNvSpPr txBox="1"/>
+          <p:cNvSpPr txBox="1">
+            <a:spLocks noGrp="1"/>
+          </p:cNvSpPr>
           <p:nvPr>
-            <p:ph idx="12" type="sldNum"/>
+            <p:ph type="sldNum" idx="12"/>
           </p:nvPr>
         </p:nvSpPr>
         <p:spPr>
@@ -2318,7 +2577,7 @@
           </a:prstGeom>
         </p:spPr>
         <p:txBody>
-          <a:bodyPr anchorCtr="0" anchor="ctr" bIns="91425" lIns="91425" spcFirstLastPara="1" rIns="91425" wrap="square" tIns="91425">
+          <a:bodyPr spcFirstLastPara="1" wrap="square" lIns="91425" tIns="91425" rIns="91425" bIns="91425" anchor="ctr" anchorCtr="0">
             <a:noAutofit/>
           </a:bodyPr>
           <a:lstStyle>
@@ -2360,7 +2619,7 @@
             </a:lvl9pPr>
           </a:lstStyle>
           <a:p>
-            <a:pPr indent="0" lvl="0" marL="0" rtl="0" algn="r">
+            <a:pPr marL="0" lvl="0" indent="0" algn="r" rtl="0">
               <a:spcBef>
                 <a:spcPts val="0"/>
               </a:spcBef>
@@ -2386,11 +2645,11 @@
 </file>
 
 <file path=ppt/slideLayouts/slideLayout4.xml><?xml version="1.0" encoding="utf-8"?>
-<p:sldLayout xmlns:a="http://schemas.openxmlformats.org/drawingml/2006/main" xmlns:r="http://schemas.openxmlformats.org/officeDocument/2006/relationships" xmlns:mc="http://schemas.openxmlformats.org/markup-compatibility/2006" xmlns:mv="urn:schemas-microsoft-com:mac:vml" xmlns:p="http://schemas.openxmlformats.org/presentationml/2006/main" xmlns:c="http://schemas.openxmlformats.org/drawingml/2006/chart" xmlns:dgm="http://schemas.openxmlformats.org/drawingml/2006/diagram" xmlns:o="urn:schemas-microsoft-com:office:office" xmlns:v="urn:schemas-microsoft-com:vml" xmlns:pvml="urn:schemas-microsoft-com:office:powerpoint" xmlns:com="http://schemas.openxmlformats.org/drawingml/2006/compatibility" xmlns:p14="http://schemas.microsoft.com/office/powerpoint/2010/main" xmlns:p15="http://schemas.microsoft.com/office/powerpoint/2012/main" matchingName="Title and two columns" type="twoColTx">
+<p:sldLayout xmlns:a="http://schemas.openxmlformats.org/drawingml/2006/main" xmlns:r="http://schemas.openxmlformats.org/officeDocument/2006/relationships" xmlns:p="http://schemas.openxmlformats.org/presentationml/2006/main" matchingName="Title and two columns" type="twoColTx">
   <p:cSld name="TITLE_AND_TWO_COLUMNS">
     <p:spTree>
       <p:nvGrpSpPr>
-        <p:cNvPr id="20" name="Shape 20"/>
+        <p:cNvPr id="1" name="Shape 20"/>
         <p:cNvGrpSpPr/>
         <p:nvPr/>
       </p:nvGrpSpPr>
@@ -2405,7 +2664,9 @@
       <p:sp>
         <p:nvSpPr>
           <p:cNvPr id="21" name="Google Shape;21;p5"/>
-          <p:cNvSpPr txBox="1"/>
+          <p:cNvSpPr txBox="1">
+            <a:spLocks noGrp="1"/>
+          </p:cNvSpPr>
           <p:nvPr>
             <p:ph type="title"/>
           </p:nvPr>
@@ -2420,7 +2681,7 @@
           </a:prstGeom>
         </p:spPr>
         <p:txBody>
-          <a:bodyPr anchorCtr="0" anchor="t" bIns="91425" lIns="91425" spcFirstLastPara="1" rIns="91425" wrap="square" tIns="91425"/>
+          <a:bodyPr spcFirstLastPara="1" wrap="square" lIns="91425" tIns="91425" rIns="91425" bIns="91425" anchor="t" anchorCtr="0"/>
           <a:lstStyle>
             <a:lvl1pPr lvl="0">
               <a:spcBef>
@@ -2522,15 +2783,19 @@
               <a:defRPr/>
             </a:lvl9pPr>
           </a:lstStyle>
-          <a:p/>
+          <a:p>
+            <a:endParaRPr/>
+          </a:p>
         </p:txBody>
       </p:sp>
       <p:sp>
         <p:nvSpPr>
           <p:cNvPr id="22" name="Google Shape;22;p5"/>
-          <p:cNvSpPr txBox="1"/>
+          <p:cNvSpPr txBox="1">
+            <a:spLocks noGrp="1"/>
+          </p:cNvSpPr>
           <p:nvPr>
-            <p:ph idx="1" type="body"/>
+            <p:ph type="body" idx="1"/>
           </p:nvPr>
         </p:nvSpPr>
         <p:spPr>
@@ -2543,9 +2808,9 @@
           </a:prstGeom>
         </p:spPr>
         <p:txBody>
-          <a:bodyPr anchorCtr="0" anchor="t" bIns="91425" lIns="91425" spcFirstLastPara="1" rIns="91425" wrap="square" tIns="91425"/>
+          <a:bodyPr spcFirstLastPara="1" wrap="square" lIns="91425" tIns="91425" rIns="91425" bIns="91425" anchor="t" anchorCtr="0"/>
           <a:lstStyle>
-            <a:lvl1pPr indent="-317500" lvl="0" marL="457200">
+            <a:lvl1pPr marL="457200" lvl="0" indent="-317500">
               <a:spcBef>
                 <a:spcPts val="0"/>
               </a:spcBef>
@@ -2556,7 +2821,7 @@
               <a:buChar char="●"/>
               <a:defRPr sz="1400"/>
             </a:lvl1pPr>
-            <a:lvl2pPr indent="-304800" lvl="1" marL="914400">
+            <a:lvl2pPr marL="914400" lvl="1" indent="-304800">
               <a:spcBef>
                 <a:spcPts val="1600"/>
               </a:spcBef>
@@ -2567,7 +2832,7 @@
               <a:buChar char="○"/>
               <a:defRPr sz="1200"/>
             </a:lvl2pPr>
-            <a:lvl3pPr indent="-304800" lvl="2" marL="1371600">
+            <a:lvl3pPr marL="1371600" lvl="2" indent="-304800">
               <a:spcBef>
                 <a:spcPts val="1600"/>
               </a:spcBef>
@@ -2578,7 +2843,7 @@
               <a:buChar char="■"/>
               <a:defRPr sz="1200"/>
             </a:lvl3pPr>
-            <a:lvl4pPr indent="-304800" lvl="3" marL="1828800">
+            <a:lvl4pPr marL="1828800" lvl="3" indent="-304800">
               <a:spcBef>
                 <a:spcPts val="1600"/>
               </a:spcBef>
@@ -2589,7 +2854,7 @@
               <a:buChar char="●"/>
               <a:defRPr sz="1200"/>
             </a:lvl4pPr>
-            <a:lvl5pPr indent="-304800" lvl="4" marL="2286000">
+            <a:lvl5pPr marL="2286000" lvl="4" indent="-304800">
               <a:spcBef>
                 <a:spcPts val="1600"/>
               </a:spcBef>
@@ -2600,7 +2865,7 @@
               <a:buChar char="○"/>
               <a:defRPr sz="1200"/>
             </a:lvl5pPr>
-            <a:lvl6pPr indent="-304800" lvl="5" marL="2743200">
+            <a:lvl6pPr marL="2743200" lvl="5" indent="-304800">
               <a:spcBef>
                 <a:spcPts val="1600"/>
               </a:spcBef>
@@ -2611,7 +2876,7 @@
               <a:buChar char="■"/>
               <a:defRPr sz="1200"/>
             </a:lvl6pPr>
-            <a:lvl7pPr indent="-304800" lvl="6" marL="3200400">
+            <a:lvl7pPr marL="3200400" lvl="6" indent="-304800">
               <a:spcBef>
                 <a:spcPts val="1600"/>
               </a:spcBef>
@@ -2622,7 +2887,7 @@
               <a:buChar char="●"/>
               <a:defRPr sz="1200"/>
             </a:lvl7pPr>
-            <a:lvl8pPr indent="-304800" lvl="7" marL="3657600">
+            <a:lvl8pPr marL="3657600" lvl="7" indent="-304800">
               <a:spcBef>
                 <a:spcPts val="1600"/>
               </a:spcBef>
@@ -2633,7 +2898,7 @@
               <a:buChar char="○"/>
               <a:defRPr sz="1200"/>
             </a:lvl8pPr>
-            <a:lvl9pPr indent="-304800" lvl="8" marL="4114800">
+            <a:lvl9pPr marL="4114800" lvl="8" indent="-304800">
               <a:spcBef>
                 <a:spcPts val="1600"/>
               </a:spcBef>
@@ -2645,15 +2910,19 @@
               <a:defRPr sz="1200"/>
             </a:lvl9pPr>
           </a:lstStyle>
-          <a:p/>
+          <a:p>
+            <a:endParaRPr/>
+          </a:p>
         </p:txBody>
       </p:sp>
       <p:sp>
         <p:nvSpPr>
           <p:cNvPr id="23" name="Google Shape;23;p5"/>
-          <p:cNvSpPr txBox="1"/>
+          <p:cNvSpPr txBox="1">
+            <a:spLocks noGrp="1"/>
+          </p:cNvSpPr>
           <p:nvPr>
-            <p:ph idx="2" type="body"/>
+            <p:ph type="body" idx="2"/>
           </p:nvPr>
         </p:nvSpPr>
         <p:spPr>
@@ -2666,9 +2935,9 @@
           </a:prstGeom>
         </p:spPr>
         <p:txBody>
-          <a:bodyPr anchorCtr="0" anchor="t" bIns="91425" lIns="91425" spcFirstLastPara="1" rIns="91425" wrap="square" tIns="91425"/>
+          <a:bodyPr spcFirstLastPara="1" wrap="square" lIns="91425" tIns="91425" rIns="91425" bIns="91425" anchor="t" anchorCtr="0"/>
           <a:lstStyle>
-            <a:lvl1pPr indent="-317500" lvl="0" marL="457200">
+            <a:lvl1pPr marL="457200" lvl="0" indent="-317500">
               <a:spcBef>
                 <a:spcPts val="0"/>
               </a:spcBef>
@@ -2679,7 +2948,7 @@
               <a:buChar char="●"/>
               <a:defRPr sz="1400"/>
             </a:lvl1pPr>
-            <a:lvl2pPr indent="-304800" lvl="1" marL="914400">
+            <a:lvl2pPr marL="914400" lvl="1" indent="-304800">
               <a:spcBef>
                 <a:spcPts val="1600"/>
               </a:spcBef>
@@ -2690,7 +2959,7 @@
               <a:buChar char="○"/>
               <a:defRPr sz="1200"/>
             </a:lvl2pPr>
-            <a:lvl3pPr indent="-304800" lvl="2" marL="1371600">
+            <a:lvl3pPr marL="1371600" lvl="2" indent="-304800">
               <a:spcBef>
                 <a:spcPts val="1600"/>
               </a:spcBef>
@@ -2701,7 +2970,7 @@
               <a:buChar char="■"/>
               <a:defRPr sz="1200"/>
             </a:lvl3pPr>
-            <a:lvl4pPr indent="-304800" lvl="3" marL="1828800">
+            <a:lvl4pPr marL="1828800" lvl="3" indent="-304800">
               <a:spcBef>
                 <a:spcPts val="1600"/>
               </a:spcBef>
@@ -2712,7 +2981,7 @@
               <a:buChar char="●"/>
               <a:defRPr sz="1200"/>
             </a:lvl4pPr>
-            <a:lvl5pPr indent="-304800" lvl="4" marL="2286000">
+            <a:lvl5pPr marL="2286000" lvl="4" indent="-304800">
               <a:spcBef>
                 <a:spcPts val="1600"/>
               </a:spcBef>
@@ -2723,7 +2992,7 @@
               <a:buChar char="○"/>
               <a:defRPr sz="1200"/>
             </a:lvl5pPr>
-            <a:lvl6pPr indent="-304800" lvl="5" marL="2743200">
+            <a:lvl6pPr marL="2743200" lvl="5" indent="-304800">
               <a:spcBef>
                 <a:spcPts val="1600"/>
               </a:spcBef>
@@ -2734,7 +3003,7 @@
               <a:buChar char="■"/>
               <a:defRPr sz="1200"/>
             </a:lvl6pPr>
-            <a:lvl7pPr indent="-304800" lvl="6" marL="3200400">
+            <a:lvl7pPr marL="3200400" lvl="6" indent="-304800">
               <a:spcBef>
                 <a:spcPts val="1600"/>
               </a:spcBef>
@@ -2745,7 +3014,7 @@
               <a:buChar char="●"/>
               <a:defRPr sz="1200"/>
             </a:lvl7pPr>
-            <a:lvl8pPr indent="-304800" lvl="7" marL="3657600">
+            <a:lvl8pPr marL="3657600" lvl="7" indent="-304800">
               <a:spcBef>
                 <a:spcPts val="1600"/>
               </a:spcBef>
@@ -2756,7 +3025,7 @@
               <a:buChar char="○"/>
               <a:defRPr sz="1200"/>
             </a:lvl8pPr>
-            <a:lvl9pPr indent="-304800" lvl="8" marL="4114800">
+            <a:lvl9pPr marL="4114800" lvl="8" indent="-304800">
               <a:spcBef>
                 <a:spcPts val="1600"/>
               </a:spcBef>
@@ -2768,15 +3037,19 @@
               <a:defRPr sz="1200"/>
             </a:lvl9pPr>
           </a:lstStyle>
-          <a:p/>
+          <a:p>
+            <a:endParaRPr/>
+          </a:p>
         </p:txBody>
       </p:sp>
       <p:sp>
         <p:nvSpPr>
           <p:cNvPr id="24" name="Google Shape;24;p5"/>
-          <p:cNvSpPr txBox="1"/>
+          <p:cNvSpPr txBox="1">
+            <a:spLocks noGrp="1"/>
+          </p:cNvSpPr>
           <p:nvPr>
-            <p:ph idx="12" type="sldNum"/>
+            <p:ph type="sldNum" idx="12"/>
           </p:nvPr>
         </p:nvSpPr>
         <p:spPr>
@@ -2789,7 +3062,7 @@
           </a:prstGeom>
         </p:spPr>
         <p:txBody>
-          <a:bodyPr anchorCtr="0" anchor="ctr" bIns="91425" lIns="91425" spcFirstLastPara="1" rIns="91425" wrap="square" tIns="91425">
+          <a:bodyPr spcFirstLastPara="1" wrap="square" lIns="91425" tIns="91425" rIns="91425" bIns="91425" anchor="ctr" anchorCtr="0">
             <a:noAutofit/>
           </a:bodyPr>
           <a:lstStyle>
@@ -2831,7 +3104,7 @@
             </a:lvl9pPr>
           </a:lstStyle>
           <a:p>
-            <a:pPr indent="0" lvl="0" marL="0" rtl="0" algn="r">
+            <a:pPr marL="0" lvl="0" indent="0" algn="r" rtl="0">
               <a:spcBef>
                 <a:spcPts val="0"/>
               </a:spcBef>
@@ -2857,11 +3130,11 @@
 </file>
 
 <file path=ppt/slideLayouts/slideLayout5.xml><?xml version="1.0" encoding="utf-8"?>
-<p:sldLayout xmlns:a="http://schemas.openxmlformats.org/drawingml/2006/main" xmlns:r="http://schemas.openxmlformats.org/officeDocument/2006/relationships" xmlns:mc="http://schemas.openxmlformats.org/markup-compatibility/2006" xmlns:mv="urn:schemas-microsoft-com:mac:vml" xmlns:p="http://schemas.openxmlformats.org/presentationml/2006/main" xmlns:c="http://schemas.openxmlformats.org/drawingml/2006/chart" xmlns:dgm="http://schemas.openxmlformats.org/drawingml/2006/diagram" xmlns:o="urn:schemas-microsoft-com:office:office" xmlns:v="urn:schemas-microsoft-com:vml" xmlns:pvml="urn:schemas-microsoft-com:office:powerpoint" xmlns:com="http://schemas.openxmlformats.org/drawingml/2006/compatibility" xmlns:p14="http://schemas.microsoft.com/office/powerpoint/2010/main" xmlns:p15="http://schemas.microsoft.com/office/powerpoint/2012/main" matchingName="Title only" type="titleOnly">
+<p:sldLayout xmlns:a="http://schemas.openxmlformats.org/drawingml/2006/main" xmlns:r="http://schemas.openxmlformats.org/officeDocument/2006/relationships" xmlns:p="http://schemas.openxmlformats.org/presentationml/2006/main" matchingName="Title only" type="titleOnly">
   <p:cSld name="TITLE_ONLY">
     <p:spTree>
       <p:nvGrpSpPr>
-        <p:cNvPr id="25" name="Shape 25"/>
+        <p:cNvPr id="1" name="Shape 25"/>
         <p:cNvGrpSpPr/>
         <p:nvPr/>
       </p:nvGrpSpPr>
@@ -2876,7 +3149,9 @@
       <p:sp>
         <p:nvSpPr>
           <p:cNvPr id="26" name="Google Shape;26;p6"/>
-          <p:cNvSpPr txBox="1"/>
+          <p:cNvSpPr txBox="1">
+            <a:spLocks noGrp="1"/>
+          </p:cNvSpPr>
           <p:nvPr>
             <p:ph type="title"/>
           </p:nvPr>
@@ -2891,7 +3166,7 @@
           </a:prstGeom>
         </p:spPr>
         <p:txBody>
-          <a:bodyPr anchorCtr="0" anchor="t" bIns="91425" lIns="91425" spcFirstLastPara="1" rIns="91425" wrap="square" tIns="91425"/>
+          <a:bodyPr spcFirstLastPara="1" wrap="square" lIns="91425" tIns="91425" rIns="91425" bIns="91425" anchor="t" anchorCtr="0"/>
           <a:lstStyle>
             <a:lvl1pPr lvl="0">
               <a:spcBef>
@@ -2993,15 +3268,19 @@
               <a:defRPr/>
             </a:lvl9pPr>
           </a:lstStyle>
-          <a:p/>
+          <a:p>
+            <a:endParaRPr/>
+          </a:p>
         </p:txBody>
       </p:sp>
       <p:sp>
         <p:nvSpPr>
           <p:cNvPr id="27" name="Google Shape;27;p6"/>
-          <p:cNvSpPr txBox="1"/>
+          <p:cNvSpPr txBox="1">
+            <a:spLocks noGrp="1"/>
+          </p:cNvSpPr>
           <p:nvPr>
-            <p:ph idx="12" type="sldNum"/>
+            <p:ph type="sldNum" idx="12"/>
           </p:nvPr>
         </p:nvSpPr>
         <p:spPr>
@@ -3014,7 +3293,7 @@
           </a:prstGeom>
         </p:spPr>
         <p:txBody>
-          <a:bodyPr anchorCtr="0" anchor="ctr" bIns="91425" lIns="91425" spcFirstLastPara="1" rIns="91425" wrap="square" tIns="91425">
+          <a:bodyPr spcFirstLastPara="1" wrap="square" lIns="91425" tIns="91425" rIns="91425" bIns="91425" anchor="ctr" anchorCtr="0">
             <a:noAutofit/>
           </a:bodyPr>
           <a:lstStyle>
@@ -3056,7 +3335,7 @@
             </a:lvl9pPr>
           </a:lstStyle>
           <a:p>
-            <a:pPr indent="0" lvl="0" marL="0" rtl="0" algn="r">
+            <a:pPr marL="0" lvl="0" indent="0" algn="r" rtl="0">
               <a:spcBef>
                 <a:spcPts val="0"/>
               </a:spcBef>
@@ -3082,11 +3361,11 @@
 </file>
 
 <file path=ppt/slideLayouts/slideLayout6.xml><?xml version="1.0" encoding="utf-8"?>
-<p:sldLayout xmlns:a="http://schemas.openxmlformats.org/drawingml/2006/main" xmlns:r="http://schemas.openxmlformats.org/officeDocument/2006/relationships" xmlns:mc="http://schemas.openxmlformats.org/markup-compatibility/2006" xmlns:mv="urn:schemas-microsoft-com:mac:vml" xmlns:p="http://schemas.openxmlformats.org/presentationml/2006/main" xmlns:c="http://schemas.openxmlformats.org/drawingml/2006/chart" xmlns:dgm="http://schemas.openxmlformats.org/drawingml/2006/diagram" xmlns:o="urn:schemas-microsoft-com:office:office" xmlns:v="urn:schemas-microsoft-com:vml" xmlns:pvml="urn:schemas-microsoft-com:office:powerpoint" xmlns:com="http://schemas.openxmlformats.org/drawingml/2006/compatibility" xmlns:p14="http://schemas.microsoft.com/office/powerpoint/2010/main" xmlns:p15="http://schemas.microsoft.com/office/powerpoint/2012/main" matchingName="One column text">
+<p:sldLayout xmlns:a="http://schemas.openxmlformats.org/drawingml/2006/main" xmlns:r="http://schemas.openxmlformats.org/officeDocument/2006/relationships" xmlns:p="http://schemas.openxmlformats.org/presentationml/2006/main" matchingName="One column text">
   <p:cSld name="ONE_COLUMN_TEXT">
     <p:spTree>
       <p:nvGrpSpPr>
-        <p:cNvPr id="28" name="Shape 28"/>
+        <p:cNvPr id="1" name="Shape 28"/>
         <p:cNvGrpSpPr/>
         <p:nvPr/>
       </p:nvGrpSpPr>
@@ -3101,7 +3380,9 @@
       <p:sp>
         <p:nvSpPr>
           <p:cNvPr id="29" name="Google Shape;29;p7"/>
-          <p:cNvSpPr txBox="1"/>
+          <p:cNvSpPr txBox="1">
+            <a:spLocks noGrp="1"/>
+          </p:cNvSpPr>
           <p:nvPr>
             <p:ph type="title"/>
           </p:nvPr>
@@ -3116,7 +3397,7 @@
           </a:prstGeom>
         </p:spPr>
         <p:txBody>
-          <a:bodyPr anchorCtr="0" anchor="b" bIns="91425" lIns="91425" spcFirstLastPara="1" rIns="91425" wrap="square" tIns="91425"/>
+          <a:bodyPr spcFirstLastPara="1" wrap="square" lIns="91425" tIns="91425" rIns="91425" bIns="91425" anchor="b" anchorCtr="0"/>
           <a:lstStyle>
             <a:lvl1pPr lvl="0">
               <a:spcBef>
@@ -3218,15 +3499,19 @@
               <a:defRPr sz="2400"/>
             </a:lvl9pPr>
           </a:lstStyle>
-          <a:p/>
+          <a:p>
+            <a:endParaRPr/>
+          </a:p>
         </p:txBody>
       </p:sp>
       <p:sp>
         <p:nvSpPr>
           <p:cNvPr id="30" name="Google Shape;30;p7"/>
-          <p:cNvSpPr txBox="1"/>
+          <p:cNvSpPr txBox="1">
+            <a:spLocks noGrp="1"/>
+          </p:cNvSpPr>
           <p:nvPr>
-            <p:ph idx="1" type="body"/>
+            <p:ph type="body" idx="1"/>
           </p:nvPr>
         </p:nvSpPr>
         <p:spPr>
@@ -3239,9 +3524,9 @@
           </a:prstGeom>
         </p:spPr>
         <p:txBody>
-          <a:bodyPr anchorCtr="0" anchor="t" bIns="91425" lIns="91425" spcFirstLastPara="1" rIns="91425" wrap="square" tIns="91425"/>
+          <a:bodyPr spcFirstLastPara="1" wrap="square" lIns="91425" tIns="91425" rIns="91425" bIns="91425" anchor="t" anchorCtr="0"/>
           <a:lstStyle>
-            <a:lvl1pPr indent="-304800" lvl="0" marL="457200">
+            <a:lvl1pPr marL="457200" lvl="0" indent="-304800">
               <a:spcBef>
                 <a:spcPts val="0"/>
               </a:spcBef>
@@ -3252,7 +3537,7 @@
               <a:buChar char="●"/>
               <a:defRPr sz="1200"/>
             </a:lvl1pPr>
-            <a:lvl2pPr indent="-304800" lvl="1" marL="914400">
+            <a:lvl2pPr marL="914400" lvl="1" indent="-304800">
               <a:spcBef>
                 <a:spcPts val="1600"/>
               </a:spcBef>
@@ -3263,7 +3548,7 @@
               <a:buChar char="○"/>
               <a:defRPr sz="1200"/>
             </a:lvl2pPr>
-            <a:lvl3pPr indent="-304800" lvl="2" marL="1371600">
+            <a:lvl3pPr marL="1371600" lvl="2" indent="-304800">
               <a:spcBef>
                 <a:spcPts val="1600"/>
               </a:spcBef>
@@ -3274,7 +3559,7 @@
               <a:buChar char="■"/>
               <a:defRPr sz="1200"/>
             </a:lvl3pPr>
-            <a:lvl4pPr indent="-304800" lvl="3" marL="1828800">
+            <a:lvl4pPr marL="1828800" lvl="3" indent="-304800">
               <a:spcBef>
                 <a:spcPts val="1600"/>
               </a:spcBef>
@@ -3285,7 +3570,7 @@
               <a:buChar char="●"/>
               <a:defRPr sz="1200"/>
             </a:lvl4pPr>
-            <a:lvl5pPr indent="-304800" lvl="4" marL="2286000">
+            <a:lvl5pPr marL="2286000" lvl="4" indent="-304800">
               <a:spcBef>
                 <a:spcPts val="1600"/>
               </a:spcBef>
@@ -3296,7 +3581,7 @@
               <a:buChar char="○"/>
               <a:defRPr sz="1200"/>
             </a:lvl5pPr>
-            <a:lvl6pPr indent="-304800" lvl="5" marL="2743200">
+            <a:lvl6pPr marL="2743200" lvl="5" indent="-304800">
               <a:spcBef>
                 <a:spcPts val="1600"/>
               </a:spcBef>
@@ -3307,7 +3592,7 @@
               <a:buChar char="■"/>
               <a:defRPr sz="1200"/>
             </a:lvl6pPr>
-            <a:lvl7pPr indent="-304800" lvl="6" marL="3200400">
+            <a:lvl7pPr marL="3200400" lvl="6" indent="-304800">
               <a:spcBef>
                 <a:spcPts val="1600"/>
               </a:spcBef>
@@ -3318,7 +3603,7 @@
               <a:buChar char="●"/>
               <a:defRPr sz="1200"/>
             </a:lvl7pPr>
-            <a:lvl8pPr indent="-304800" lvl="7" marL="3657600">
+            <a:lvl8pPr marL="3657600" lvl="7" indent="-304800">
               <a:spcBef>
                 <a:spcPts val="1600"/>
               </a:spcBef>
@@ -3329,7 +3614,7 @@
               <a:buChar char="○"/>
               <a:defRPr sz="1200"/>
             </a:lvl8pPr>
-            <a:lvl9pPr indent="-304800" lvl="8" marL="4114800">
+            <a:lvl9pPr marL="4114800" lvl="8" indent="-304800">
               <a:spcBef>
                 <a:spcPts val="1600"/>
               </a:spcBef>
@@ -3341,15 +3626,19 @@
               <a:defRPr sz="1200"/>
             </a:lvl9pPr>
           </a:lstStyle>
-          <a:p/>
+          <a:p>
+            <a:endParaRPr/>
+          </a:p>
         </p:txBody>
       </p:sp>
       <p:sp>
         <p:nvSpPr>
           <p:cNvPr id="31" name="Google Shape;31;p7"/>
-          <p:cNvSpPr txBox="1"/>
+          <p:cNvSpPr txBox="1">
+            <a:spLocks noGrp="1"/>
+          </p:cNvSpPr>
           <p:nvPr>
-            <p:ph idx="12" type="sldNum"/>
+            <p:ph type="sldNum" idx="12"/>
           </p:nvPr>
         </p:nvSpPr>
         <p:spPr>
@@ -3362,7 +3651,7 @@
           </a:prstGeom>
         </p:spPr>
         <p:txBody>
-          <a:bodyPr anchorCtr="0" anchor="ctr" bIns="91425" lIns="91425" spcFirstLastPara="1" rIns="91425" wrap="square" tIns="91425">
+          <a:bodyPr spcFirstLastPara="1" wrap="square" lIns="91425" tIns="91425" rIns="91425" bIns="91425" anchor="ctr" anchorCtr="0">
             <a:noAutofit/>
           </a:bodyPr>
           <a:lstStyle>
@@ -3404,7 +3693,7 @@
             </a:lvl9pPr>
           </a:lstStyle>
           <a:p>
-            <a:pPr indent="0" lvl="0" marL="0" rtl="0" algn="r">
+            <a:pPr marL="0" lvl="0" indent="0" algn="r" rtl="0">
               <a:spcBef>
                 <a:spcPts val="0"/>
               </a:spcBef>
@@ -3430,11 +3719,11 @@
 </file>
 
 <file path=ppt/slideLayouts/slideLayout7.xml><?xml version="1.0" encoding="utf-8"?>
-<p:sldLayout xmlns:a="http://schemas.openxmlformats.org/drawingml/2006/main" xmlns:r="http://schemas.openxmlformats.org/officeDocument/2006/relationships" xmlns:mc="http://schemas.openxmlformats.org/markup-compatibility/2006" xmlns:mv="urn:schemas-microsoft-com:mac:vml" xmlns:p="http://schemas.openxmlformats.org/presentationml/2006/main" xmlns:c="http://schemas.openxmlformats.org/drawingml/2006/chart" xmlns:dgm="http://schemas.openxmlformats.org/drawingml/2006/diagram" xmlns:o="urn:schemas-microsoft-com:office:office" xmlns:v="urn:schemas-microsoft-com:vml" xmlns:pvml="urn:schemas-microsoft-com:office:powerpoint" xmlns:com="http://schemas.openxmlformats.org/drawingml/2006/compatibility" xmlns:p14="http://schemas.microsoft.com/office/powerpoint/2010/main" xmlns:p15="http://schemas.microsoft.com/office/powerpoint/2012/main" matchingName="Main point">
+<p:sldLayout xmlns:a="http://schemas.openxmlformats.org/drawingml/2006/main" xmlns:r="http://schemas.openxmlformats.org/officeDocument/2006/relationships" xmlns:p="http://schemas.openxmlformats.org/presentationml/2006/main" matchingName="Main point">
   <p:cSld name="MAIN_POINT">
     <p:spTree>
       <p:nvGrpSpPr>
-        <p:cNvPr id="32" name="Shape 32"/>
+        <p:cNvPr id="1" name="Shape 32"/>
         <p:cNvGrpSpPr/>
         <p:nvPr/>
       </p:nvGrpSpPr>
@@ -3449,7 +3738,9 @@
       <p:sp>
         <p:nvSpPr>
           <p:cNvPr id="33" name="Google Shape;33;p8"/>
-          <p:cNvSpPr txBox="1"/>
+          <p:cNvSpPr txBox="1">
+            <a:spLocks noGrp="1"/>
+          </p:cNvSpPr>
           <p:nvPr>
             <p:ph type="title"/>
           </p:nvPr>
@@ -3464,7 +3755,7 @@
           </a:prstGeom>
         </p:spPr>
         <p:txBody>
-          <a:bodyPr anchorCtr="0" anchor="ctr" bIns="91425" lIns="91425" spcFirstLastPara="1" rIns="91425" wrap="square" tIns="91425"/>
+          <a:bodyPr spcFirstLastPara="1" wrap="square" lIns="91425" tIns="91425" rIns="91425" bIns="91425" anchor="ctr" anchorCtr="0"/>
           <a:lstStyle>
             <a:lvl1pPr lvl="0">
               <a:spcBef>
@@ -3566,15 +3857,19 @@
               <a:defRPr sz="4800"/>
             </a:lvl9pPr>
           </a:lstStyle>
-          <a:p/>
+          <a:p>
+            <a:endParaRPr/>
+          </a:p>
         </p:txBody>
       </p:sp>
       <p:sp>
         <p:nvSpPr>
           <p:cNvPr id="34" name="Google Shape;34;p8"/>
-          <p:cNvSpPr txBox="1"/>
+          <p:cNvSpPr txBox="1">
+            <a:spLocks noGrp="1"/>
+          </p:cNvSpPr>
           <p:nvPr>
-            <p:ph idx="12" type="sldNum"/>
+            <p:ph type="sldNum" idx="12"/>
           </p:nvPr>
         </p:nvSpPr>
         <p:spPr>
@@ -3587,7 +3882,7 @@
           </a:prstGeom>
         </p:spPr>
         <p:txBody>
-          <a:bodyPr anchorCtr="0" anchor="ctr" bIns="91425" lIns="91425" spcFirstLastPara="1" rIns="91425" wrap="square" tIns="91425">
+          <a:bodyPr spcFirstLastPara="1" wrap="square" lIns="91425" tIns="91425" rIns="91425" bIns="91425" anchor="ctr" anchorCtr="0">
             <a:noAutofit/>
           </a:bodyPr>
           <a:lstStyle>
@@ -3629,7 +3924,7 @@
             </a:lvl9pPr>
           </a:lstStyle>
           <a:p>
-            <a:pPr indent="0" lvl="0" marL="0" rtl="0" algn="r">
+            <a:pPr marL="0" lvl="0" indent="0" algn="r" rtl="0">
               <a:spcBef>
                 <a:spcPts val="0"/>
               </a:spcBef>
@@ -3655,11 +3950,11 @@
 </file>
 
 <file path=ppt/slideLayouts/slideLayout8.xml><?xml version="1.0" encoding="utf-8"?>
-<p:sldLayout xmlns:a="http://schemas.openxmlformats.org/drawingml/2006/main" xmlns:r="http://schemas.openxmlformats.org/officeDocument/2006/relationships" xmlns:mc="http://schemas.openxmlformats.org/markup-compatibility/2006" xmlns:mv="urn:schemas-microsoft-com:mac:vml" xmlns:p="http://schemas.openxmlformats.org/presentationml/2006/main" xmlns:c="http://schemas.openxmlformats.org/drawingml/2006/chart" xmlns:dgm="http://schemas.openxmlformats.org/drawingml/2006/diagram" xmlns:o="urn:schemas-microsoft-com:office:office" xmlns:v="urn:schemas-microsoft-com:vml" xmlns:pvml="urn:schemas-microsoft-com:office:powerpoint" xmlns:com="http://schemas.openxmlformats.org/drawingml/2006/compatibility" xmlns:p14="http://schemas.microsoft.com/office/powerpoint/2010/main" xmlns:p15="http://schemas.microsoft.com/office/powerpoint/2012/main" matchingName="Section title and description">
+<p:sldLayout xmlns:a="http://schemas.openxmlformats.org/drawingml/2006/main" xmlns:r="http://schemas.openxmlformats.org/officeDocument/2006/relationships" xmlns:p="http://schemas.openxmlformats.org/presentationml/2006/main" matchingName="Section title and description">
   <p:cSld name="SECTION_TITLE_AND_DESCRIPTION">
     <p:spTree>
       <p:nvGrpSpPr>
-        <p:cNvPr id="35" name="Shape 35"/>
+        <p:cNvPr id="1" name="Shape 35"/>
         <p:cNvGrpSpPr/>
         <p:nvPr/>
       </p:nvGrpSpPr>
@@ -3693,12 +3988,12 @@
           </a:ln>
         </p:spPr>
         <p:txBody>
-          <a:bodyPr anchorCtr="0" anchor="ctr" bIns="91425" lIns="91425" spcFirstLastPara="1" rIns="91425" wrap="square" tIns="91425">
+          <a:bodyPr spcFirstLastPara="1" wrap="square" lIns="91425" tIns="91425" rIns="91425" bIns="91425" anchor="ctr" anchorCtr="0">
             <a:noAutofit/>
           </a:bodyPr>
           <a:lstStyle/>
           <a:p>
-            <a:pPr indent="0" lvl="0" marL="0" rtl="0" algn="l">
+            <a:pPr marL="0" lvl="0" indent="0" algn="l" rtl="0">
               <a:spcBef>
                 <a:spcPts val="0"/>
               </a:spcBef>
@@ -3707,9 +4002,6 @@
               </a:spcAft>
               <a:buNone/>
             </a:pPr>
-            <a:r>
-              <a:t/>
-            </a:r>
             <a:endParaRPr/>
           </a:p>
         </p:txBody>
@@ -3717,7 +4009,9 @@
       <p:sp>
         <p:nvSpPr>
           <p:cNvPr id="37" name="Google Shape;37;p9"/>
-          <p:cNvSpPr txBox="1"/>
+          <p:cNvSpPr txBox="1">
+            <a:spLocks noGrp="1"/>
+          </p:cNvSpPr>
           <p:nvPr>
             <p:ph type="title"/>
           </p:nvPr>
@@ -3732,7 +4026,7 @@
           </a:prstGeom>
         </p:spPr>
         <p:txBody>
-          <a:bodyPr anchorCtr="0" anchor="b" bIns="91425" lIns="91425" spcFirstLastPara="1" rIns="91425" wrap="square" tIns="91425"/>
+          <a:bodyPr spcFirstLastPara="1" wrap="square" lIns="91425" tIns="91425" rIns="91425" bIns="91425" anchor="b" anchorCtr="0"/>
           <a:lstStyle>
             <a:lvl1pPr lvl="0" algn="ctr">
               <a:spcBef>
@@ -3834,15 +4128,19 @@
               <a:defRPr sz="4200"/>
             </a:lvl9pPr>
           </a:lstStyle>
-          <a:p/>
+          <a:p>
+            <a:endParaRPr/>
+          </a:p>
         </p:txBody>
       </p:sp>
       <p:sp>
         <p:nvSpPr>
           <p:cNvPr id="38" name="Google Shape;38;p9"/>
-          <p:cNvSpPr txBox="1"/>
+          <p:cNvSpPr txBox="1">
+            <a:spLocks noGrp="1"/>
+          </p:cNvSpPr>
           <p:nvPr>
-            <p:ph idx="1" type="subTitle"/>
+            <p:ph type="subTitle" idx="1"/>
           </p:nvPr>
         </p:nvSpPr>
         <p:spPr>
@@ -3855,7 +4153,7 @@
           </a:prstGeom>
         </p:spPr>
         <p:txBody>
-          <a:bodyPr anchorCtr="0" anchor="t" bIns="91425" lIns="91425" spcFirstLastPara="1" rIns="91425" wrap="square" tIns="91425"/>
+          <a:bodyPr spcFirstLastPara="1" wrap="square" lIns="91425" tIns="91425" rIns="91425" bIns="91425" anchor="t" anchorCtr="0"/>
           <a:lstStyle>
             <a:lvl1pPr lvl="0" algn="ctr">
               <a:lnSpc>
@@ -3984,15 +4282,19 @@
               <a:defRPr sz="2100"/>
             </a:lvl9pPr>
           </a:lstStyle>
-          <a:p/>
+          <a:p>
+            <a:endParaRPr/>
+          </a:p>
         </p:txBody>
       </p:sp>
       <p:sp>
         <p:nvSpPr>
           <p:cNvPr id="39" name="Google Shape;39;p9"/>
-          <p:cNvSpPr txBox="1"/>
+          <p:cNvSpPr txBox="1">
+            <a:spLocks noGrp="1"/>
+          </p:cNvSpPr>
           <p:nvPr>
-            <p:ph idx="2" type="body"/>
+            <p:ph type="body" idx="2"/>
           </p:nvPr>
         </p:nvSpPr>
         <p:spPr>
@@ -4005,9 +4307,9 @@
           </a:prstGeom>
         </p:spPr>
         <p:txBody>
-          <a:bodyPr anchorCtr="0" anchor="ctr" bIns="91425" lIns="91425" spcFirstLastPara="1" rIns="91425" wrap="square" tIns="91425"/>
+          <a:bodyPr spcFirstLastPara="1" wrap="square" lIns="91425" tIns="91425" rIns="91425" bIns="91425" anchor="ctr" anchorCtr="0"/>
           <a:lstStyle>
-            <a:lvl1pPr indent="-342900" lvl="0" marL="457200">
+            <a:lvl1pPr marL="457200" lvl="0" indent="-342900">
               <a:spcBef>
                 <a:spcPts val="0"/>
               </a:spcBef>
@@ -4018,7 +4320,7 @@
               <a:buChar char="●"/>
               <a:defRPr/>
             </a:lvl1pPr>
-            <a:lvl2pPr indent="-317500" lvl="1" marL="914400">
+            <a:lvl2pPr marL="914400" lvl="1" indent="-317500">
               <a:spcBef>
                 <a:spcPts val="1600"/>
               </a:spcBef>
@@ -4029,7 +4331,7 @@
               <a:buChar char="○"/>
               <a:defRPr/>
             </a:lvl2pPr>
-            <a:lvl3pPr indent="-317500" lvl="2" marL="1371600">
+            <a:lvl3pPr marL="1371600" lvl="2" indent="-317500">
               <a:spcBef>
                 <a:spcPts val="1600"/>
               </a:spcBef>
@@ -4040,7 +4342,7 @@
               <a:buChar char="■"/>
               <a:defRPr/>
             </a:lvl3pPr>
-            <a:lvl4pPr indent="-317500" lvl="3" marL="1828800">
+            <a:lvl4pPr marL="1828800" lvl="3" indent="-317500">
               <a:spcBef>
                 <a:spcPts val="1600"/>
               </a:spcBef>
@@ -4051,7 +4353,7 @@
               <a:buChar char="●"/>
               <a:defRPr/>
             </a:lvl4pPr>
-            <a:lvl5pPr indent="-317500" lvl="4" marL="2286000">
+            <a:lvl5pPr marL="2286000" lvl="4" indent="-317500">
               <a:spcBef>
                 <a:spcPts val="1600"/>
               </a:spcBef>
@@ -4062,7 +4364,7 @@
               <a:buChar char="○"/>
               <a:defRPr/>
             </a:lvl5pPr>
-            <a:lvl6pPr indent="-317500" lvl="5" marL="2743200">
+            <a:lvl6pPr marL="2743200" lvl="5" indent="-317500">
               <a:spcBef>
                 <a:spcPts val="1600"/>
               </a:spcBef>
@@ -4073,7 +4375,7 @@
               <a:buChar char="■"/>
               <a:defRPr/>
             </a:lvl6pPr>
-            <a:lvl7pPr indent="-317500" lvl="6" marL="3200400">
+            <a:lvl7pPr marL="3200400" lvl="6" indent="-317500">
               <a:spcBef>
                 <a:spcPts val="1600"/>
               </a:spcBef>
@@ -4084,7 +4386,7 @@
               <a:buChar char="●"/>
               <a:defRPr/>
             </a:lvl7pPr>
-            <a:lvl8pPr indent="-317500" lvl="7" marL="3657600">
+            <a:lvl8pPr marL="3657600" lvl="7" indent="-317500">
               <a:spcBef>
                 <a:spcPts val="1600"/>
               </a:spcBef>
@@ -4095,7 +4397,7 @@
               <a:buChar char="○"/>
               <a:defRPr/>
             </a:lvl8pPr>
-            <a:lvl9pPr indent="-317500" lvl="8" marL="4114800">
+            <a:lvl9pPr marL="4114800" lvl="8" indent="-317500">
               <a:spcBef>
                 <a:spcPts val="1600"/>
               </a:spcBef>
@@ -4107,15 +4409,19 @@
               <a:defRPr/>
             </a:lvl9pPr>
           </a:lstStyle>
-          <a:p/>
+          <a:p>
+            <a:endParaRPr/>
+          </a:p>
         </p:txBody>
       </p:sp>
       <p:sp>
         <p:nvSpPr>
           <p:cNvPr id="40" name="Google Shape;40;p9"/>
-          <p:cNvSpPr txBox="1"/>
+          <p:cNvSpPr txBox="1">
+            <a:spLocks noGrp="1"/>
+          </p:cNvSpPr>
           <p:nvPr>
-            <p:ph idx="12" type="sldNum"/>
+            <p:ph type="sldNum" idx="12"/>
           </p:nvPr>
         </p:nvSpPr>
         <p:spPr>
@@ -4128,7 +4434,7 @@
           </a:prstGeom>
         </p:spPr>
         <p:txBody>
-          <a:bodyPr anchorCtr="0" anchor="ctr" bIns="91425" lIns="91425" spcFirstLastPara="1" rIns="91425" wrap="square" tIns="91425">
+          <a:bodyPr spcFirstLastPara="1" wrap="square" lIns="91425" tIns="91425" rIns="91425" bIns="91425" anchor="ctr" anchorCtr="0">
             <a:noAutofit/>
           </a:bodyPr>
           <a:lstStyle>
@@ -4170,7 +4476,7 @@
             </a:lvl9pPr>
           </a:lstStyle>
           <a:p>
-            <a:pPr indent="0" lvl="0" marL="0" rtl="0" algn="r">
+            <a:pPr marL="0" lvl="0" indent="0" algn="r" rtl="0">
               <a:spcBef>
                 <a:spcPts val="0"/>
               </a:spcBef>
@@ -4196,11 +4502,11 @@
 </file>
 
 <file path=ppt/slideLayouts/slideLayout9.xml><?xml version="1.0" encoding="utf-8"?>
-<p:sldLayout xmlns:a="http://schemas.openxmlformats.org/drawingml/2006/main" xmlns:r="http://schemas.openxmlformats.org/officeDocument/2006/relationships" xmlns:mc="http://schemas.openxmlformats.org/markup-compatibility/2006" xmlns:mv="urn:schemas-microsoft-com:mac:vml" xmlns:p="http://schemas.openxmlformats.org/presentationml/2006/main" xmlns:c="http://schemas.openxmlformats.org/drawingml/2006/chart" xmlns:dgm="http://schemas.openxmlformats.org/drawingml/2006/diagram" xmlns:o="urn:schemas-microsoft-com:office:office" xmlns:v="urn:schemas-microsoft-com:vml" xmlns:pvml="urn:schemas-microsoft-com:office:powerpoint" xmlns:com="http://schemas.openxmlformats.org/drawingml/2006/compatibility" xmlns:p14="http://schemas.microsoft.com/office/powerpoint/2010/main" xmlns:p15="http://schemas.microsoft.com/office/powerpoint/2012/main" matchingName="Caption">
+<p:sldLayout xmlns:a="http://schemas.openxmlformats.org/drawingml/2006/main" xmlns:r="http://schemas.openxmlformats.org/officeDocument/2006/relationships" xmlns:p="http://schemas.openxmlformats.org/presentationml/2006/main" matchingName="Caption">
   <p:cSld name="CAPTION_ONLY">
     <p:spTree>
       <p:nvGrpSpPr>
-        <p:cNvPr id="41" name="Shape 41"/>
+        <p:cNvPr id="1" name="Shape 41"/>
         <p:cNvGrpSpPr/>
         <p:nvPr/>
       </p:nvGrpSpPr>
@@ -4215,9 +4521,11 @@
       <p:sp>
         <p:nvSpPr>
           <p:cNvPr id="42" name="Google Shape;42;p10"/>
-          <p:cNvSpPr txBox="1"/>
+          <p:cNvSpPr txBox="1">
+            <a:spLocks noGrp="1"/>
+          </p:cNvSpPr>
           <p:nvPr>
-            <p:ph idx="1" type="body"/>
+            <p:ph type="body" idx="1"/>
           </p:nvPr>
         </p:nvSpPr>
         <p:spPr>
@@ -4230,9 +4538,9 @@
           </a:prstGeom>
         </p:spPr>
         <p:txBody>
-          <a:bodyPr anchorCtr="0" anchor="ctr" bIns="91425" lIns="91425" spcFirstLastPara="1" rIns="91425" wrap="square" tIns="91425"/>
+          <a:bodyPr spcFirstLastPara="1" wrap="square" lIns="91425" tIns="91425" rIns="91425" bIns="91425" anchor="ctr" anchorCtr="0"/>
           <a:lstStyle>
-            <a:lvl1pPr indent="-228600" lvl="0" marL="457200">
+            <a:lvl1pPr marL="457200" lvl="0" indent="-228600">
               <a:lnSpc>
                 <a:spcPct val="100000"/>
               </a:lnSpc>
@@ -4247,15 +4555,19 @@
               <a:defRPr/>
             </a:lvl1pPr>
           </a:lstStyle>
-          <a:p/>
+          <a:p>
+            <a:endParaRPr/>
+          </a:p>
         </p:txBody>
       </p:sp>
       <p:sp>
         <p:nvSpPr>
           <p:cNvPr id="43" name="Google Shape;43;p10"/>
-          <p:cNvSpPr txBox="1"/>
+          <p:cNvSpPr txBox="1">
+            <a:spLocks noGrp="1"/>
+          </p:cNvSpPr>
           <p:nvPr>
-            <p:ph idx="12" type="sldNum"/>
+            <p:ph type="sldNum" idx="12"/>
           </p:nvPr>
         </p:nvSpPr>
         <p:spPr>
@@ -4268,7 +4580,7 @@
           </a:prstGeom>
         </p:spPr>
         <p:txBody>
-          <a:bodyPr anchorCtr="0" anchor="ctr" bIns="91425" lIns="91425" spcFirstLastPara="1" rIns="91425" wrap="square" tIns="91425">
+          <a:bodyPr spcFirstLastPara="1" wrap="square" lIns="91425" tIns="91425" rIns="91425" bIns="91425" anchor="ctr" anchorCtr="0">
             <a:noAutofit/>
           </a:bodyPr>
           <a:lstStyle>
@@ -4310,7 +4622,7 @@
             </a:lvl9pPr>
           </a:lstStyle>
           <a:p>
-            <a:pPr indent="0" lvl="0" marL="0" rtl="0" algn="r">
+            <a:pPr marL="0" lvl="0" indent="0" algn="r" rtl="0">
               <a:spcBef>
                 <a:spcPts val="0"/>
               </a:spcBef>
@@ -4336,18 +4648,19 @@
 </file>
 
 <file path=ppt/slideMasters/slideMaster1.xml><?xml version="1.0" encoding="utf-8"?>
-<p:sldMaster xmlns:a="http://schemas.openxmlformats.org/drawingml/2006/main" xmlns:r="http://schemas.openxmlformats.org/officeDocument/2006/relationships" xmlns:mc="http://schemas.openxmlformats.org/markup-compatibility/2006" xmlns:mv="urn:schemas-microsoft-com:mac:vml" xmlns:p="http://schemas.openxmlformats.org/presentationml/2006/main" xmlns:c="http://schemas.openxmlformats.org/drawingml/2006/chart" xmlns:dgm="http://schemas.openxmlformats.org/drawingml/2006/diagram" xmlns:o="urn:schemas-microsoft-com:office:office" xmlns:v="urn:schemas-microsoft-com:vml" xmlns:pvml="urn:schemas-microsoft-com:office:powerpoint" xmlns:com="http://schemas.openxmlformats.org/drawingml/2006/compatibility" xmlns:p14="http://schemas.microsoft.com/office/powerpoint/2010/main" xmlns:p15="http://schemas.microsoft.com/office/powerpoint/2012/main">
+<p:sldMaster xmlns:a="http://schemas.openxmlformats.org/drawingml/2006/main" xmlns:r="http://schemas.openxmlformats.org/officeDocument/2006/relationships" xmlns:p="http://schemas.openxmlformats.org/presentationml/2006/main">
   <p:cSld name="simple-light-2">
     <p:bg>
       <p:bgPr>
         <a:solidFill>
           <a:schemeClr val="lt1"/>
         </a:solidFill>
+        <a:effectLst/>
       </p:bgPr>
     </p:bg>
     <p:spTree>
       <p:nvGrpSpPr>
-        <p:cNvPr id="5" name="Shape 5"/>
+        <p:cNvPr id="1" name="Shape 5"/>
         <p:cNvGrpSpPr/>
         <p:nvPr/>
       </p:nvGrpSpPr>
@@ -4362,7 +4675,9 @@
       <p:sp>
         <p:nvSpPr>
           <p:cNvPr id="6" name="Google Shape;6;p1"/>
-          <p:cNvSpPr txBox="1"/>
+          <p:cNvSpPr txBox="1">
+            <a:spLocks noGrp="1"/>
+          </p:cNvSpPr>
           <p:nvPr>
             <p:ph type="title"/>
           </p:nvPr>
@@ -4381,7 +4696,7 @@
           </a:ln>
         </p:spPr>
         <p:txBody>
-          <a:bodyPr anchorCtr="0" anchor="t" bIns="91425" lIns="91425" spcFirstLastPara="1" rIns="91425" wrap="square" tIns="91425"/>
+          <a:bodyPr spcFirstLastPara="1" wrap="square" lIns="91425" tIns="91425" rIns="91425" bIns="91425" anchor="t" anchorCtr="0"/>
           <a:lstStyle>
             <a:lvl1pPr lvl="0">
               <a:spcBef>
@@ -4546,15 +4861,19 @@
               </a:defRPr>
             </a:lvl9pPr>
           </a:lstStyle>
-          <a:p/>
+          <a:p>
+            <a:endParaRPr/>
+          </a:p>
         </p:txBody>
       </p:sp>
       <p:sp>
         <p:nvSpPr>
           <p:cNvPr id="7" name="Google Shape;7;p1"/>
-          <p:cNvSpPr txBox="1"/>
+          <p:cNvSpPr txBox="1">
+            <a:spLocks noGrp="1"/>
+          </p:cNvSpPr>
           <p:nvPr>
-            <p:ph idx="1" type="body"/>
+            <p:ph type="body" idx="1"/>
           </p:nvPr>
         </p:nvSpPr>
         <p:spPr>
@@ -4571,9 +4890,9 @@
           </a:ln>
         </p:spPr>
         <p:txBody>
-          <a:bodyPr anchorCtr="0" anchor="t" bIns="91425" lIns="91425" spcFirstLastPara="1" rIns="91425" wrap="square" tIns="91425"/>
+          <a:bodyPr spcFirstLastPara="1" wrap="square" lIns="91425" tIns="91425" rIns="91425" bIns="91425" anchor="t" anchorCtr="0"/>
           <a:lstStyle>
-            <a:lvl1pPr indent="-342900" lvl="0" marL="457200">
+            <a:lvl1pPr marL="457200" lvl="0" indent="-342900">
               <a:lnSpc>
                 <a:spcPct val="115000"/>
               </a:lnSpc>
@@ -4594,7 +4913,7 @@
                 </a:solidFill>
               </a:defRPr>
             </a:lvl1pPr>
-            <a:lvl2pPr indent="-317500" lvl="1" marL="914400">
+            <a:lvl2pPr marL="914400" lvl="1" indent="-317500">
               <a:lnSpc>
                 <a:spcPct val="115000"/>
               </a:lnSpc>
@@ -4615,7 +4934,7 @@
                 </a:solidFill>
               </a:defRPr>
             </a:lvl2pPr>
-            <a:lvl3pPr indent="-317500" lvl="2" marL="1371600">
+            <a:lvl3pPr marL="1371600" lvl="2" indent="-317500">
               <a:lnSpc>
                 <a:spcPct val="115000"/>
               </a:lnSpc>
@@ -4636,7 +4955,7 @@
                 </a:solidFill>
               </a:defRPr>
             </a:lvl3pPr>
-            <a:lvl4pPr indent="-317500" lvl="3" marL="1828800">
+            <a:lvl4pPr marL="1828800" lvl="3" indent="-317500">
               <a:lnSpc>
                 <a:spcPct val="115000"/>
               </a:lnSpc>
@@ -4657,7 +4976,7 @@
                 </a:solidFill>
               </a:defRPr>
             </a:lvl4pPr>
-            <a:lvl5pPr indent="-317500" lvl="4" marL="2286000">
+            <a:lvl5pPr marL="2286000" lvl="4" indent="-317500">
               <a:lnSpc>
                 <a:spcPct val="115000"/>
               </a:lnSpc>
@@ -4678,7 +4997,7 @@
                 </a:solidFill>
               </a:defRPr>
             </a:lvl5pPr>
-            <a:lvl6pPr indent="-317500" lvl="5" marL="2743200">
+            <a:lvl6pPr marL="2743200" lvl="5" indent="-317500">
               <a:lnSpc>
                 <a:spcPct val="115000"/>
               </a:lnSpc>
@@ -4699,7 +5018,7 @@
                 </a:solidFill>
               </a:defRPr>
             </a:lvl6pPr>
-            <a:lvl7pPr indent="-317500" lvl="6" marL="3200400">
+            <a:lvl7pPr marL="3200400" lvl="6" indent="-317500">
               <a:lnSpc>
                 <a:spcPct val="115000"/>
               </a:lnSpc>
@@ -4720,7 +5039,7 @@
                 </a:solidFill>
               </a:defRPr>
             </a:lvl7pPr>
-            <a:lvl8pPr indent="-317500" lvl="7" marL="3657600">
+            <a:lvl8pPr marL="3657600" lvl="7" indent="-317500">
               <a:lnSpc>
                 <a:spcPct val="115000"/>
               </a:lnSpc>
@@ -4741,7 +5060,7 @@
                 </a:solidFill>
               </a:defRPr>
             </a:lvl8pPr>
-            <a:lvl9pPr indent="-317500" lvl="8" marL="4114800">
+            <a:lvl9pPr marL="4114800" lvl="8" indent="-317500">
               <a:lnSpc>
                 <a:spcPct val="115000"/>
               </a:lnSpc>
@@ -4763,15 +5082,19 @@
               </a:defRPr>
             </a:lvl9pPr>
           </a:lstStyle>
-          <a:p/>
+          <a:p>
+            <a:endParaRPr/>
+          </a:p>
         </p:txBody>
       </p:sp>
       <p:sp>
         <p:nvSpPr>
           <p:cNvPr id="8" name="Google Shape;8;p1"/>
-          <p:cNvSpPr txBox="1"/>
+          <p:cNvSpPr txBox="1">
+            <a:spLocks noGrp="1"/>
+          </p:cNvSpPr>
           <p:nvPr>
-            <p:ph idx="12" type="sldNum"/>
+            <p:ph type="sldNum" idx="12"/>
           </p:nvPr>
         </p:nvSpPr>
         <p:spPr>
@@ -4788,7 +5111,7 @@
           </a:ln>
         </p:spPr>
         <p:txBody>
-          <a:bodyPr anchorCtr="0" anchor="ctr" bIns="91425" lIns="91425" spcFirstLastPara="1" rIns="91425" wrap="square" tIns="91425">
+          <a:bodyPr spcFirstLastPara="1" wrap="square" lIns="91425" tIns="91425" rIns="91425" bIns="91425" anchor="ctr" anchorCtr="0">
             <a:noAutofit/>
           </a:bodyPr>
           <a:lstStyle>
@@ -4866,7 +5189,7 @@
             </a:lvl9pPr>
           </a:lstStyle>
           <a:p>
-            <a:pPr indent="0" lvl="0" marL="0" rtl="0" algn="r">
+            <a:pPr marL="0" lvl="0" indent="0" algn="r" rtl="0">
               <a:spcBef>
                 <a:spcPts val="0"/>
               </a:spcBef>
@@ -4885,7 +5208,7 @@
       </p:sp>
     </p:spTree>
   </p:cSld>
-  <p:clrMap accent1="accent1" accent2="accent2" accent3="accent3" accent4="accent4" accent5="accent5" accent6="accent6" bg1="lt1" bg2="dk2" tx1="dk1" tx2="lt2" folHlink="folHlink" hlink="hlink"/>
+  <p:clrMap bg1="lt1" tx1="dk1" bg2="dk2" tx2="lt2" accent1="accent1" accent2="accent2" accent3="accent3" accent4="accent4" accent5="accent5" accent6="accent6" hlink="hlink" folHlink="folHlink"/>
   <p:sldLayoutIdLst>
     <p:sldLayoutId id="2147483648" r:id="rId1"/>
     <p:sldLayoutId id="2147483649" r:id="rId2"/>
@@ -4899,10 +5222,10 @@
     <p:sldLayoutId id="2147483657" r:id="rId10"/>
     <p:sldLayoutId id="2147483658" r:id="rId11"/>
   </p:sldLayoutIdLst>
-  <p:hf dt="0" ftr="0" hdr="0" sldNum="0"/>
+  <p:hf sldNum="0" hdr="0" ftr="0" dt="0"/>
   <p:txStyles>
     <p:titleStyle>
-      <a:defPPr lvl="0" marR="0" rtl="0" algn="l">
+      <a:defPPr marR="0" lvl="0" algn="l" rtl="0">
         <a:lnSpc>
           <a:spcPct val="100000"/>
         </a:lnSpc>
@@ -4913,7 +5236,7 @@
           <a:spcPts val="0"/>
         </a:spcAft>
       </a:defPPr>
-      <a:lvl1pPr lvl="0" marR="0" rtl="0" algn="l">
+      <a:lvl1pPr marR="0" lvl="0" algn="l" rtl="0">
         <a:lnSpc>
           <a:spcPct val="100000"/>
         </a:lnSpc>
@@ -4927,7 +5250,7 @@
           <a:srgbClr val="000000"/>
         </a:buClr>
         <a:buFont typeface="Arial"/>
-        <a:defRPr b="0" i="0" sz="1400" u="none" cap="none" strike="noStrike">
+        <a:defRPr sz="1400" b="0" i="0" u="none" strike="noStrike" cap="none">
           <a:solidFill>
             <a:srgbClr val="000000"/>
           </a:solidFill>
@@ -4937,7 +5260,7 @@
           <a:sym typeface="Arial"/>
         </a:defRPr>
       </a:lvl1pPr>
-      <a:lvl2pPr lvl="1" marR="0" rtl="0" algn="l">
+      <a:lvl2pPr marR="0" lvl="1" algn="l" rtl="0">
         <a:lnSpc>
           <a:spcPct val="100000"/>
         </a:lnSpc>
@@ -4951,7 +5274,7 @@
           <a:srgbClr val="000000"/>
         </a:buClr>
         <a:buFont typeface="Arial"/>
-        <a:defRPr b="0" i="0" sz="1400" u="none" cap="none" strike="noStrike">
+        <a:defRPr sz="1400" b="0" i="0" u="none" strike="noStrike" cap="none">
           <a:solidFill>
             <a:srgbClr val="000000"/>
           </a:solidFill>
@@ -4961,7 +5284,7 @@
           <a:sym typeface="Arial"/>
         </a:defRPr>
       </a:lvl2pPr>
-      <a:lvl3pPr lvl="2" marR="0" rtl="0" algn="l">
+      <a:lvl3pPr marR="0" lvl="2" algn="l" rtl="0">
         <a:lnSpc>
           <a:spcPct val="100000"/>
         </a:lnSpc>
@@ -4975,7 +5298,7 @@
           <a:srgbClr val="000000"/>
         </a:buClr>
         <a:buFont typeface="Arial"/>
-        <a:defRPr b="0" i="0" sz="1400" u="none" cap="none" strike="noStrike">
+        <a:defRPr sz="1400" b="0" i="0" u="none" strike="noStrike" cap="none">
           <a:solidFill>
             <a:srgbClr val="000000"/>
           </a:solidFill>
@@ -4985,7 +5308,7 @@
           <a:sym typeface="Arial"/>
         </a:defRPr>
       </a:lvl3pPr>
-      <a:lvl4pPr lvl="3" marR="0" rtl="0" algn="l">
+      <a:lvl4pPr marR="0" lvl="3" algn="l" rtl="0">
         <a:lnSpc>
           <a:spcPct val="100000"/>
         </a:lnSpc>
@@ -4999,7 +5322,7 @@
           <a:srgbClr val="000000"/>
         </a:buClr>
         <a:buFont typeface="Arial"/>
-        <a:defRPr b="0" i="0" sz="1400" u="none" cap="none" strike="noStrike">
+        <a:defRPr sz="1400" b="0" i="0" u="none" strike="noStrike" cap="none">
           <a:solidFill>
             <a:srgbClr val="000000"/>
           </a:solidFill>
@@ -5009,7 +5332,7 @@
           <a:sym typeface="Arial"/>
         </a:defRPr>
       </a:lvl4pPr>
-      <a:lvl5pPr lvl="4" marR="0" rtl="0" algn="l">
+      <a:lvl5pPr marR="0" lvl="4" algn="l" rtl="0">
         <a:lnSpc>
           <a:spcPct val="100000"/>
         </a:lnSpc>
@@ -5023,7 +5346,7 @@
           <a:srgbClr val="000000"/>
         </a:buClr>
         <a:buFont typeface="Arial"/>
-        <a:defRPr b="0" i="0" sz="1400" u="none" cap="none" strike="noStrike">
+        <a:defRPr sz="1400" b="0" i="0" u="none" strike="noStrike" cap="none">
           <a:solidFill>
             <a:srgbClr val="000000"/>
           </a:solidFill>
@@ -5033,7 +5356,7 @@
           <a:sym typeface="Arial"/>
         </a:defRPr>
       </a:lvl5pPr>
-      <a:lvl6pPr lvl="5" marR="0" rtl="0" algn="l">
+      <a:lvl6pPr marR="0" lvl="5" algn="l" rtl="0">
         <a:lnSpc>
           <a:spcPct val="100000"/>
         </a:lnSpc>
@@ -5047,7 +5370,7 @@
           <a:srgbClr val="000000"/>
         </a:buClr>
         <a:buFont typeface="Arial"/>
-        <a:defRPr b="0" i="0" sz="1400" u="none" cap="none" strike="noStrike">
+        <a:defRPr sz="1400" b="0" i="0" u="none" strike="noStrike" cap="none">
           <a:solidFill>
             <a:srgbClr val="000000"/>
           </a:solidFill>
@@ -5057,7 +5380,7 @@
           <a:sym typeface="Arial"/>
         </a:defRPr>
       </a:lvl6pPr>
-      <a:lvl7pPr lvl="6" marR="0" rtl="0" algn="l">
+      <a:lvl7pPr marR="0" lvl="6" algn="l" rtl="0">
         <a:lnSpc>
           <a:spcPct val="100000"/>
         </a:lnSpc>
@@ -5071,7 +5394,7 @@
           <a:srgbClr val="000000"/>
         </a:buClr>
         <a:buFont typeface="Arial"/>
-        <a:defRPr b="0" i="0" sz="1400" u="none" cap="none" strike="noStrike">
+        <a:defRPr sz="1400" b="0" i="0" u="none" strike="noStrike" cap="none">
           <a:solidFill>
             <a:srgbClr val="000000"/>
           </a:solidFill>
@@ -5081,7 +5404,7 @@
           <a:sym typeface="Arial"/>
         </a:defRPr>
       </a:lvl7pPr>
-      <a:lvl8pPr lvl="7" marR="0" rtl="0" algn="l">
+      <a:lvl8pPr marR="0" lvl="7" algn="l" rtl="0">
         <a:lnSpc>
           <a:spcPct val="100000"/>
         </a:lnSpc>
@@ -5095,7 +5418,7 @@
           <a:srgbClr val="000000"/>
         </a:buClr>
         <a:buFont typeface="Arial"/>
-        <a:defRPr b="0" i="0" sz="1400" u="none" cap="none" strike="noStrike">
+        <a:defRPr sz="1400" b="0" i="0" u="none" strike="noStrike" cap="none">
           <a:solidFill>
             <a:srgbClr val="000000"/>
           </a:solidFill>
@@ -5105,7 +5428,7 @@
           <a:sym typeface="Arial"/>
         </a:defRPr>
       </a:lvl8pPr>
-      <a:lvl9pPr lvl="8" marR="0" rtl="0" algn="l">
+      <a:lvl9pPr marR="0" lvl="8" algn="l" rtl="0">
         <a:lnSpc>
           <a:spcPct val="100000"/>
         </a:lnSpc>
@@ -5119,7 +5442,7 @@
           <a:srgbClr val="000000"/>
         </a:buClr>
         <a:buFont typeface="Arial"/>
-        <a:defRPr b="0" i="0" sz="1400" u="none" cap="none" strike="noStrike">
+        <a:defRPr sz="1400" b="0" i="0" u="none" strike="noStrike" cap="none">
           <a:solidFill>
             <a:srgbClr val="000000"/>
           </a:solidFill>
@@ -5131,7 +5454,7 @@
       </a:lvl9pPr>
     </p:titleStyle>
     <p:bodyStyle>
-      <a:defPPr lvl="0" marR="0" rtl="0" algn="l">
+      <a:defPPr marR="0" lvl="0" algn="l" rtl="0">
         <a:lnSpc>
           <a:spcPct val="100000"/>
         </a:lnSpc>
@@ -5142,7 +5465,7 @@
           <a:spcPts val="0"/>
         </a:spcAft>
       </a:defPPr>
-      <a:lvl1pPr lvl="0" marR="0" rtl="0" algn="l">
+      <a:lvl1pPr marR="0" lvl="0" algn="l" rtl="0">
         <a:lnSpc>
           <a:spcPct val="100000"/>
         </a:lnSpc>
@@ -5156,7 +5479,7 @@
           <a:srgbClr val="000000"/>
         </a:buClr>
         <a:buFont typeface="Arial"/>
-        <a:defRPr b="0" i="0" sz="1400" u="none" cap="none" strike="noStrike">
+        <a:defRPr sz="1400" b="0" i="0" u="none" strike="noStrike" cap="none">
           <a:solidFill>
             <a:srgbClr val="000000"/>
           </a:solidFill>
@@ -5166,7 +5489,7 @@
           <a:sym typeface="Arial"/>
         </a:defRPr>
       </a:lvl1pPr>
-      <a:lvl2pPr lvl="1" marR="0" rtl="0" algn="l">
+      <a:lvl2pPr marR="0" lvl="1" algn="l" rtl="0">
         <a:lnSpc>
           <a:spcPct val="100000"/>
         </a:lnSpc>
@@ -5180,7 +5503,7 @@
           <a:srgbClr val="000000"/>
         </a:buClr>
         <a:buFont typeface="Arial"/>
-        <a:defRPr b="0" i="0" sz="1400" u="none" cap="none" strike="noStrike">
+        <a:defRPr sz="1400" b="0" i="0" u="none" strike="noStrike" cap="none">
           <a:solidFill>
             <a:srgbClr val="000000"/>
           </a:solidFill>
@@ -5190,7 +5513,7 @@
           <a:sym typeface="Arial"/>
         </a:defRPr>
       </a:lvl2pPr>
-      <a:lvl3pPr lvl="2" marR="0" rtl="0" algn="l">
+      <a:lvl3pPr marR="0" lvl="2" algn="l" rtl="0">
         <a:lnSpc>
           <a:spcPct val="100000"/>
         </a:lnSpc>
@@ -5204,7 +5527,7 @@
           <a:srgbClr val="000000"/>
         </a:buClr>
         <a:buFont typeface="Arial"/>
-        <a:defRPr b="0" i="0" sz="1400" u="none" cap="none" strike="noStrike">
+        <a:defRPr sz="1400" b="0" i="0" u="none" strike="noStrike" cap="none">
           <a:solidFill>
             <a:srgbClr val="000000"/>
           </a:solidFill>
@@ -5214,7 +5537,7 @@
           <a:sym typeface="Arial"/>
         </a:defRPr>
       </a:lvl3pPr>
-      <a:lvl4pPr lvl="3" marR="0" rtl="0" algn="l">
+      <a:lvl4pPr marR="0" lvl="3" algn="l" rtl="0">
         <a:lnSpc>
           <a:spcPct val="100000"/>
         </a:lnSpc>
@@ -5228,7 +5551,7 @@
           <a:srgbClr val="000000"/>
         </a:buClr>
         <a:buFont typeface="Arial"/>
-        <a:defRPr b="0" i="0" sz="1400" u="none" cap="none" strike="noStrike">
+        <a:defRPr sz="1400" b="0" i="0" u="none" strike="noStrike" cap="none">
           <a:solidFill>
             <a:srgbClr val="000000"/>
           </a:solidFill>
@@ -5238,7 +5561,7 @@
           <a:sym typeface="Arial"/>
         </a:defRPr>
       </a:lvl4pPr>
-      <a:lvl5pPr lvl="4" marR="0" rtl="0" algn="l">
+      <a:lvl5pPr marR="0" lvl="4" algn="l" rtl="0">
         <a:lnSpc>
           <a:spcPct val="100000"/>
         </a:lnSpc>
@@ -5252,7 +5575,7 @@
           <a:srgbClr val="000000"/>
         </a:buClr>
         <a:buFont typeface="Arial"/>
-        <a:defRPr b="0" i="0" sz="1400" u="none" cap="none" strike="noStrike">
+        <a:defRPr sz="1400" b="0" i="0" u="none" strike="noStrike" cap="none">
           <a:solidFill>
             <a:srgbClr val="000000"/>
           </a:solidFill>
@@ -5262,7 +5585,7 @@
           <a:sym typeface="Arial"/>
         </a:defRPr>
       </a:lvl5pPr>
-      <a:lvl6pPr lvl="5" marR="0" rtl="0" algn="l">
+      <a:lvl6pPr marR="0" lvl="5" algn="l" rtl="0">
         <a:lnSpc>
           <a:spcPct val="100000"/>
         </a:lnSpc>
@@ -5276,7 +5599,7 @@
           <a:srgbClr val="000000"/>
         </a:buClr>
         <a:buFont typeface="Arial"/>
-        <a:defRPr b="0" i="0" sz="1400" u="none" cap="none" strike="noStrike">
+        <a:defRPr sz="1400" b="0" i="0" u="none" strike="noStrike" cap="none">
           <a:solidFill>
             <a:srgbClr val="000000"/>
           </a:solidFill>
@@ -5286,7 +5609,7 @@
           <a:sym typeface="Arial"/>
         </a:defRPr>
       </a:lvl6pPr>
-      <a:lvl7pPr lvl="6" marR="0" rtl="0" algn="l">
+      <a:lvl7pPr marR="0" lvl="6" algn="l" rtl="0">
         <a:lnSpc>
           <a:spcPct val="100000"/>
         </a:lnSpc>
@@ -5300,7 +5623,7 @@
           <a:srgbClr val="000000"/>
         </a:buClr>
         <a:buFont typeface="Arial"/>
-        <a:defRPr b="0" i="0" sz="1400" u="none" cap="none" strike="noStrike">
+        <a:defRPr sz="1400" b="0" i="0" u="none" strike="noStrike" cap="none">
           <a:solidFill>
             <a:srgbClr val="000000"/>
           </a:solidFill>
@@ -5310,7 +5633,7 @@
           <a:sym typeface="Arial"/>
         </a:defRPr>
       </a:lvl7pPr>
-      <a:lvl8pPr lvl="7" marR="0" rtl="0" algn="l">
+      <a:lvl8pPr marR="0" lvl="7" algn="l" rtl="0">
         <a:lnSpc>
           <a:spcPct val="100000"/>
         </a:lnSpc>
@@ -5324,7 +5647,7 @@
           <a:srgbClr val="000000"/>
         </a:buClr>
         <a:buFont typeface="Arial"/>
-        <a:defRPr b="0" i="0" sz="1400" u="none" cap="none" strike="noStrike">
+        <a:defRPr sz="1400" b="0" i="0" u="none" strike="noStrike" cap="none">
           <a:solidFill>
             <a:srgbClr val="000000"/>
           </a:solidFill>
@@ -5334,7 +5657,7 @@
           <a:sym typeface="Arial"/>
         </a:defRPr>
       </a:lvl8pPr>
-      <a:lvl9pPr lvl="8" marR="0" rtl="0" algn="l">
+      <a:lvl9pPr marR="0" lvl="8" algn="l" rtl="0">
         <a:lnSpc>
           <a:spcPct val="100000"/>
         </a:lnSpc>
@@ -5348,7 +5671,7 @@
           <a:srgbClr val="000000"/>
         </a:buClr>
         <a:buFont typeface="Arial"/>
-        <a:defRPr b="0" i="0" sz="1400" u="none" cap="none" strike="noStrike">
+        <a:defRPr sz="1400" b="0" i="0" u="none" strike="noStrike" cap="none">
           <a:solidFill>
             <a:srgbClr val="000000"/>
           </a:solidFill>
@@ -5360,7 +5683,7 @@
       </a:lvl9pPr>
     </p:bodyStyle>
     <p:otherStyle>
-      <a:defPPr lvl="0" marR="0" rtl="0" algn="l">
+      <a:defPPr marR="0" lvl="0" algn="l" rtl="0">
         <a:lnSpc>
           <a:spcPct val="100000"/>
         </a:lnSpc>
@@ -5371,7 +5694,7 @@
           <a:spcPts val="0"/>
         </a:spcAft>
       </a:defPPr>
-      <a:lvl1pPr lvl="0" marR="0" rtl="0" algn="l">
+      <a:lvl1pPr marR="0" lvl="0" algn="l" rtl="0">
         <a:lnSpc>
           <a:spcPct val="100000"/>
         </a:lnSpc>
@@ -5385,7 +5708,7 @@
           <a:srgbClr val="000000"/>
         </a:buClr>
         <a:buFont typeface="Arial"/>
-        <a:defRPr b="0" i="0" sz="1400" u="none" cap="none" strike="noStrike">
+        <a:defRPr sz="1400" b="0" i="0" u="none" strike="noStrike" cap="none">
           <a:solidFill>
             <a:srgbClr val="000000"/>
           </a:solidFill>
@@ -5395,7 +5718,7 @@
           <a:sym typeface="Arial"/>
         </a:defRPr>
       </a:lvl1pPr>
-      <a:lvl2pPr lvl="1" marR="0" rtl="0" algn="l">
+      <a:lvl2pPr marR="0" lvl="1" algn="l" rtl="0">
         <a:lnSpc>
           <a:spcPct val="100000"/>
         </a:lnSpc>
@@ -5409,7 +5732,7 @@
           <a:srgbClr val="000000"/>
         </a:buClr>
         <a:buFont typeface="Arial"/>
-        <a:defRPr b="0" i="0" sz="1400" u="none" cap="none" strike="noStrike">
+        <a:defRPr sz="1400" b="0" i="0" u="none" strike="noStrike" cap="none">
           <a:solidFill>
             <a:srgbClr val="000000"/>
           </a:solidFill>
@@ -5419,7 +5742,7 @@
           <a:sym typeface="Arial"/>
         </a:defRPr>
       </a:lvl2pPr>
-      <a:lvl3pPr lvl="2" marR="0" rtl="0" algn="l">
+      <a:lvl3pPr marR="0" lvl="2" algn="l" rtl="0">
         <a:lnSpc>
           <a:spcPct val="100000"/>
         </a:lnSpc>
@@ -5433,7 +5756,7 @@
           <a:srgbClr val="000000"/>
         </a:buClr>
         <a:buFont typeface="Arial"/>
-        <a:defRPr b="0" i="0" sz="1400" u="none" cap="none" strike="noStrike">
+        <a:defRPr sz="1400" b="0" i="0" u="none" strike="noStrike" cap="none">
           <a:solidFill>
             <a:srgbClr val="000000"/>
           </a:solidFill>
@@ -5443,7 +5766,7 @@
           <a:sym typeface="Arial"/>
         </a:defRPr>
       </a:lvl3pPr>
-      <a:lvl4pPr lvl="3" marR="0" rtl="0" algn="l">
+      <a:lvl4pPr marR="0" lvl="3" algn="l" rtl="0">
         <a:lnSpc>
           <a:spcPct val="100000"/>
         </a:lnSpc>
@@ -5457,7 +5780,7 @@
           <a:srgbClr val="000000"/>
         </a:buClr>
         <a:buFont typeface="Arial"/>
-        <a:defRPr b="0" i="0" sz="1400" u="none" cap="none" strike="noStrike">
+        <a:defRPr sz="1400" b="0" i="0" u="none" strike="noStrike" cap="none">
           <a:solidFill>
             <a:srgbClr val="000000"/>
           </a:solidFill>
@@ -5467,7 +5790,7 @@
           <a:sym typeface="Arial"/>
         </a:defRPr>
       </a:lvl4pPr>
-      <a:lvl5pPr lvl="4" marR="0" rtl="0" algn="l">
+      <a:lvl5pPr marR="0" lvl="4" algn="l" rtl="0">
         <a:lnSpc>
           <a:spcPct val="100000"/>
         </a:lnSpc>
@@ -5481,7 +5804,7 @@
           <a:srgbClr val="000000"/>
         </a:buClr>
         <a:buFont typeface="Arial"/>
-        <a:defRPr b="0" i="0" sz="1400" u="none" cap="none" strike="noStrike">
+        <a:defRPr sz="1400" b="0" i="0" u="none" strike="noStrike" cap="none">
           <a:solidFill>
             <a:srgbClr val="000000"/>
           </a:solidFill>
@@ -5491,7 +5814,7 @@
           <a:sym typeface="Arial"/>
         </a:defRPr>
       </a:lvl5pPr>
-      <a:lvl6pPr lvl="5" marR="0" rtl="0" algn="l">
+      <a:lvl6pPr marR="0" lvl="5" algn="l" rtl="0">
         <a:lnSpc>
           <a:spcPct val="100000"/>
         </a:lnSpc>
@@ -5505,7 +5828,7 @@
           <a:srgbClr val="000000"/>
         </a:buClr>
         <a:buFont typeface="Arial"/>
-        <a:defRPr b="0" i="0" sz="1400" u="none" cap="none" strike="noStrike">
+        <a:defRPr sz="1400" b="0" i="0" u="none" strike="noStrike" cap="none">
           <a:solidFill>
             <a:srgbClr val="000000"/>
           </a:solidFill>
@@ -5515,7 +5838,7 @@
           <a:sym typeface="Arial"/>
         </a:defRPr>
       </a:lvl6pPr>
-      <a:lvl7pPr lvl="6" marR="0" rtl="0" algn="l">
+      <a:lvl7pPr marR="0" lvl="6" algn="l" rtl="0">
         <a:lnSpc>
           <a:spcPct val="100000"/>
         </a:lnSpc>
@@ -5529,7 +5852,7 @@
           <a:srgbClr val="000000"/>
         </a:buClr>
         <a:buFont typeface="Arial"/>
-        <a:defRPr b="0" i="0" sz="1400" u="none" cap="none" strike="noStrike">
+        <a:defRPr sz="1400" b="0" i="0" u="none" strike="noStrike" cap="none">
           <a:solidFill>
             <a:srgbClr val="000000"/>
           </a:solidFill>
@@ -5539,7 +5862,7 @@
           <a:sym typeface="Arial"/>
         </a:defRPr>
       </a:lvl7pPr>
-      <a:lvl8pPr lvl="7" marR="0" rtl="0" algn="l">
+      <a:lvl8pPr marR="0" lvl="7" algn="l" rtl="0">
         <a:lnSpc>
           <a:spcPct val="100000"/>
         </a:lnSpc>
@@ -5553,7 +5876,7 @@
           <a:srgbClr val="000000"/>
         </a:buClr>
         <a:buFont typeface="Arial"/>
-        <a:defRPr b="0" i="0" sz="1400" u="none" cap="none" strike="noStrike">
+        <a:defRPr sz="1400" b="0" i="0" u="none" strike="noStrike" cap="none">
           <a:solidFill>
             <a:srgbClr val="000000"/>
           </a:solidFill>
@@ -5563,7 +5886,7 @@
           <a:sym typeface="Arial"/>
         </a:defRPr>
       </a:lvl8pPr>
-      <a:lvl9pPr lvl="8" marR="0" rtl="0" algn="l">
+      <a:lvl9pPr marR="0" lvl="8" algn="l" rtl="0">
         <a:lnSpc>
           <a:spcPct val="100000"/>
         </a:lnSpc>
@@ -5577,7 +5900,7 @@
           <a:srgbClr val="000000"/>
         </a:buClr>
         <a:buFont typeface="Arial"/>
-        <a:defRPr b="0" i="0" sz="1400" u="none" cap="none" strike="noStrike">
+        <a:defRPr sz="1400" b="0" i="0" u="none" strike="noStrike" cap="none">
           <a:solidFill>
             <a:srgbClr val="000000"/>
           </a:solidFill>
@@ -5593,11 +5916,11 @@
 </file>
 
 <file path=ppt/slides/slide1.xml><?xml version="1.0" encoding="utf-8"?>
-<p:sld xmlns:a="http://schemas.openxmlformats.org/drawingml/2006/main" xmlns:r="http://schemas.openxmlformats.org/officeDocument/2006/relationships" xmlns:mc="http://schemas.openxmlformats.org/markup-compatibility/2006" xmlns:mv="urn:schemas-microsoft-com:mac:vml" xmlns:p="http://schemas.openxmlformats.org/presentationml/2006/main" xmlns:c="http://schemas.openxmlformats.org/drawingml/2006/chart" xmlns:dgm="http://schemas.openxmlformats.org/drawingml/2006/diagram" xmlns:o="urn:schemas-microsoft-com:office:office" xmlns:v="urn:schemas-microsoft-com:vml" xmlns:pvml="urn:schemas-microsoft-com:office:powerpoint" xmlns:com="http://schemas.openxmlformats.org/drawingml/2006/compatibility" xmlns:p14="http://schemas.microsoft.com/office/powerpoint/2010/main" xmlns:p15="http://schemas.microsoft.com/office/powerpoint/2012/main">
+<p:sld xmlns:a="http://schemas.openxmlformats.org/drawingml/2006/main" xmlns:r="http://schemas.openxmlformats.org/officeDocument/2006/relationships" xmlns:p="http://schemas.openxmlformats.org/presentationml/2006/main">
   <p:cSld>
     <p:spTree>
       <p:nvGrpSpPr>
-        <p:cNvPr id="53" name="Shape 53"/>
+        <p:cNvPr id="1" name="Shape 53"/>
         <p:cNvGrpSpPr/>
         <p:nvPr/>
       </p:nvGrpSpPr>
@@ -5612,7 +5935,9 @@
       <p:sp>
         <p:nvSpPr>
           <p:cNvPr id="54" name="Google Shape;54;p13"/>
-          <p:cNvSpPr txBox="1"/>
+          <p:cNvSpPr txBox="1">
+            <a:spLocks noGrp="1"/>
+          </p:cNvSpPr>
           <p:nvPr>
             <p:ph type="ctrTitle"/>
           </p:nvPr>
@@ -5627,12 +5952,12 @@
           </a:prstGeom>
         </p:spPr>
         <p:txBody>
-          <a:bodyPr anchorCtr="0" anchor="b" bIns="91425" lIns="91425" spcFirstLastPara="1" rIns="91425" wrap="square" tIns="91425">
+          <a:bodyPr spcFirstLastPara="1" wrap="square" lIns="91425" tIns="91425" rIns="91425" bIns="91425" anchor="b" anchorCtr="0">
             <a:noAutofit/>
           </a:bodyPr>
           <a:lstStyle/>
           <a:p>
-            <a:pPr indent="0" lvl="0" marL="0" rtl="0" algn="ctr">
+            <a:pPr marL="0" lvl="0" indent="0" algn="ctr" rtl="0">
               <a:spcBef>
                 <a:spcPts val="0"/>
               </a:spcBef>
@@ -5652,9 +5977,11 @@
       <p:sp>
         <p:nvSpPr>
           <p:cNvPr id="55" name="Google Shape;55;p13"/>
-          <p:cNvSpPr txBox="1"/>
+          <p:cNvSpPr txBox="1">
+            <a:spLocks noGrp="1"/>
+          </p:cNvSpPr>
           <p:nvPr>
-            <p:ph idx="1" type="subTitle"/>
+            <p:ph type="subTitle" idx="1"/>
           </p:nvPr>
         </p:nvSpPr>
         <p:spPr>
@@ -5667,12 +5994,12 @@
           </a:prstGeom>
         </p:spPr>
         <p:txBody>
-          <a:bodyPr anchorCtr="0" anchor="t" bIns="91425" lIns="91425" spcFirstLastPara="1" rIns="91425" wrap="square" tIns="91425">
+          <a:bodyPr spcFirstLastPara="1" wrap="square" lIns="91425" tIns="91425" rIns="91425" bIns="91425" anchor="t" anchorCtr="0">
             <a:noAutofit/>
           </a:bodyPr>
           <a:lstStyle/>
           <a:p>
-            <a:pPr indent="0" lvl="0" marL="0" rtl="0" algn="ctr">
+            <a:pPr marL="0" lvl="0" indent="0" algn="ctr" rtl="0">
               <a:spcBef>
                 <a:spcPts val="0"/>
               </a:spcBef>
@@ -5698,11 +6025,11 @@
 </file>
 
 <file path=ppt/slides/slide2.xml><?xml version="1.0" encoding="utf-8"?>
-<p:sld xmlns:a="http://schemas.openxmlformats.org/drawingml/2006/main" xmlns:r="http://schemas.openxmlformats.org/officeDocument/2006/relationships" xmlns:mc="http://schemas.openxmlformats.org/markup-compatibility/2006" xmlns:mv="urn:schemas-microsoft-com:mac:vml" xmlns:p="http://schemas.openxmlformats.org/presentationml/2006/main" xmlns:c="http://schemas.openxmlformats.org/drawingml/2006/chart" xmlns:dgm="http://schemas.openxmlformats.org/drawingml/2006/diagram" xmlns:o="urn:schemas-microsoft-com:office:office" xmlns:v="urn:schemas-microsoft-com:vml" xmlns:pvml="urn:schemas-microsoft-com:office:powerpoint" xmlns:com="http://schemas.openxmlformats.org/drawingml/2006/compatibility" xmlns:p14="http://schemas.microsoft.com/office/powerpoint/2010/main" xmlns:p15="http://schemas.microsoft.com/office/powerpoint/2012/main">
+<p:sld xmlns:a="http://schemas.openxmlformats.org/drawingml/2006/main" xmlns:r="http://schemas.openxmlformats.org/officeDocument/2006/relationships" xmlns:p="http://schemas.openxmlformats.org/presentationml/2006/main">
   <p:cSld>
     <p:spTree>
       <p:nvGrpSpPr>
-        <p:cNvPr id="59" name="Shape 59"/>
+        <p:cNvPr id="1" name="Shape 59"/>
         <p:cNvGrpSpPr/>
         <p:nvPr/>
       </p:nvGrpSpPr>
@@ -5717,7 +6044,9 @@
       <p:sp>
         <p:nvSpPr>
           <p:cNvPr id="60" name="Google Shape;60;p14"/>
-          <p:cNvSpPr txBox="1"/>
+          <p:cNvSpPr txBox="1">
+            <a:spLocks noGrp="1"/>
+          </p:cNvSpPr>
           <p:nvPr>
             <p:ph type="title"/>
           </p:nvPr>
@@ -5732,12 +6061,12 @@
           </a:prstGeom>
         </p:spPr>
         <p:txBody>
-          <a:bodyPr anchorCtr="0" anchor="t" bIns="91425" lIns="91425" spcFirstLastPara="1" rIns="91425" wrap="square" tIns="91425">
+          <a:bodyPr spcFirstLastPara="1" wrap="square" lIns="91425" tIns="91425" rIns="91425" bIns="91425" anchor="t" anchorCtr="0">
             <a:noAutofit/>
           </a:bodyPr>
           <a:lstStyle/>
           <a:p>
-            <a:pPr indent="0" lvl="0" marL="0" rtl="0" algn="l">
+            <a:pPr marL="0" lvl="0" indent="0" algn="l" rtl="0">
               <a:spcBef>
                 <a:spcPts val="0"/>
               </a:spcBef>
@@ -5747,18 +6076,21 @@
               <a:buNone/>
             </a:pPr>
             <a:r>
-              <a:t/>
+              <a:rPr lang="en-US" dirty="0"/>
+              <a:t>Initial Gantt Chart</a:t>
             </a:r>
-            <a:endParaRPr/>
+            <a:endParaRPr dirty="0"/>
           </a:p>
         </p:txBody>
       </p:sp>
       <p:sp>
         <p:nvSpPr>
           <p:cNvPr id="61" name="Google Shape;61;p14"/>
-          <p:cNvSpPr txBox="1"/>
+          <p:cNvSpPr txBox="1">
+            <a:spLocks noGrp="1"/>
+          </p:cNvSpPr>
           <p:nvPr>
-            <p:ph idx="1" type="body"/>
+            <p:ph type="body" idx="1"/>
           </p:nvPr>
         </p:nvSpPr>
         <p:spPr>
@@ -5771,12 +6103,12 @@
           </a:prstGeom>
         </p:spPr>
         <p:txBody>
-          <a:bodyPr anchorCtr="0" anchor="t" bIns="91425" lIns="91425" spcFirstLastPara="1" rIns="91425" wrap="square" tIns="91425">
+          <a:bodyPr spcFirstLastPara="1" wrap="square" lIns="91425" tIns="91425" rIns="91425" bIns="91425" anchor="t" anchorCtr="0">
             <a:noAutofit/>
           </a:bodyPr>
           <a:lstStyle/>
           <a:p>
-            <a:pPr indent="0" lvl="0" marL="0" rtl="0" algn="l">
+            <a:pPr marL="0" lvl="0" indent="0" algn="l" rtl="0">
               <a:spcBef>
                 <a:spcPts val="0"/>
               </a:spcBef>
@@ -5785,9 +6117,6 @@
               </a:spcAft>
               <a:buNone/>
             </a:pPr>
-            <a:r>
-              <a:t/>
-            </a:r>
             <a:endParaRPr/>
           </a:p>
         </p:txBody>
@@ -5829,11 +6158,11 @@
 </file>
 
 <file path=ppt/slides/slide3.xml><?xml version="1.0" encoding="utf-8"?>
-<p:sld xmlns:a="http://schemas.openxmlformats.org/drawingml/2006/main" xmlns:r="http://schemas.openxmlformats.org/officeDocument/2006/relationships" xmlns:mc="http://schemas.openxmlformats.org/markup-compatibility/2006" xmlns:mv="urn:schemas-microsoft-com:mac:vml" xmlns:p="http://schemas.openxmlformats.org/presentationml/2006/main" xmlns:c="http://schemas.openxmlformats.org/drawingml/2006/chart" xmlns:dgm="http://schemas.openxmlformats.org/drawingml/2006/diagram" xmlns:o="urn:schemas-microsoft-com:office:office" xmlns:v="urn:schemas-microsoft-com:vml" xmlns:pvml="urn:schemas-microsoft-com:office:powerpoint" xmlns:com="http://schemas.openxmlformats.org/drawingml/2006/compatibility" xmlns:p14="http://schemas.microsoft.com/office/powerpoint/2010/main" xmlns:p15="http://schemas.microsoft.com/office/powerpoint/2012/main">
+<p:sld xmlns:a="http://schemas.openxmlformats.org/drawingml/2006/main" xmlns:r="http://schemas.openxmlformats.org/officeDocument/2006/relationships" xmlns:p="http://schemas.openxmlformats.org/presentationml/2006/main">
   <p:cSld>
     <p:spTree>
       <p:nvGrpSpPr>
-        <p:cNvPr id="66" name="Shape 66"/>
+        <p:cNvPr id="1" name="Shape 66"/>
         <p:cNvGrpSpPr/>
         <p:nvPr/>
       </p:nvGrpSpPr>
@@ -5848,7 +6177,9 @@
       <p:sp>
         <p:nvSpPr>
           <p:cNvPr id="67" name="Google Shape;67;p15"/>
-          <p:cNvSpPr txBox="1"/>
+          <p:cNvSpPr txBox="1">
+            <a:spLocks noGrp="1"/>
+          </p:cNvSpPr>
           <p:nvPr>
             <p:ph type="title"/>
           </p:nvPr>
@@ -5863,12 +6194,12 @@
           </a:prstGeom>
         </p:spPr>
         <p:txBody>
-          <a:bodyPr anchorCtr="0" anchor="t" bIns="91425" lIns="91425" spcFirstLastPara="1" rIns="91425" wrap="square" tIns="91425">
+          <a:bodyPr spcFirstLastPara="1" wrap="square" lIns="91425" tIns="91425" rIns="91425" bIns="91425" anchor="t" anchorCtr="0">
             <a:noAutofit/>
           </a:bodyPr>
           <a:lstStyle/>
           <a:p>
-            <a:pPr indent="0" lvl="0" marL="0" rtl="0" algn="l">
+            <a:pPr marL="0" lvl="0" indent="0" algn="l" rtl="0">
               <a:spcBef>
                 <a:spcPts val="0"/>
               </a:spcBef>
@@ -5878,18 +6209,21 @@
               <a:buNone/>
             </a:pPr>
             <a:r>
-              <a:t/>
+              <a:rPr lang="en-US" dirty="0"/>
+              <a:t>Initial Gantt Chart p2</a:t>
             </a:r>
-            <a:endParaRPr/>
+            <a:endParaRPr dirty="0"/>
           </a:p>
         </p:txBody>
       </p:sp>
       <p:sp>
         <p:nvSpPr>
           <p:cNvPr id="68" name="Google Shape;68;p15"/>
-          <p:cNvSpPr txBox="1"/>
+          <p:cNvSpPr txBox="1">
+            <a:spLocks noGrp="1"/>
+          </p:cNvSpPr>
           <p:nvPr>
-            <p:ph idx="1" type="body"/>
+            <p:ph type="body" idx="1"/>
           </p:nvPr>
         </p:nvSpPr>
         <p:spPr>
@@ -5902,12 +6236,12 @@
           </a:prstGeom>
         </p:spPr>
         <p:txBody>
-          <a:bodyPr anchorCtr="0" anchor="t" bIns="91425" lIns="91425" spcFirstLastPara="1" rIns="91425" wrap="square" tIns="91425">
+          <a:bodyPr spcFirstLastPara="1" wrap="square" lIns="91425" tIns="91425" rIns="91425" bIns="91425" anchor="t" anchorCtr="0">
             <a:noAutofit/>
           </a:bodyPr>
           <a:lstStyle/>
           <a:p>
-            <a:pPr indent="0" lvl="0" marL="0" rtl="0" algn="l">
+            <a:pPr marL="0" lvl="0" indent="0" algn="l" rtl="0">
               <a:spcBef>
                 <a:spcPts val="0"/>
               </a:spcBef>
@@ -5916,9 +6250,6 @@
               </a:spcAft>
               <a:buNone/>
             </a:pPr>
-            <a:r>
-              <a:t/>
-            </a:r>
             <a:endParaRPr/>
           </a:p>
         </p:txBody>
@@ -5959,8 +6290,429 @@
 </p:sld>
 </file>
 
+<file path=ppt/slides/slide4.xml><?xml version="1.0" encoding="utf-8"?>
+<p:sld xmlns:a="http://schemas.openxmlformats.org/drawingml/2006/main" xmlns:r="http://schemas.openxmlformats.org/officeDocument/2006/relationships" xmlns:p="http://schemas.openxmlformats.org/presentationml/2006/main">
+  <p:cSld>
+    <p:spTree>
+      <p:nvGrpSpPr>
+        <p:cNvPr id="1" name="Shape 66"/>
+        <p:cNvGrpSpPr/>
+        <p:nvPr/>
+      </p:nvGrpSpPr>
+      <p:grpSpPr>
+        <a:xfrm>
+          <a:off x="0" y="0"/>
+          <a:ext cx="0" cy="0"/>
+          <a:chOff x="0" y="0"/>
+          <a:chExt cx="0" cy="0"/>
+        </a:xfrm>
+      </p:grpSpPr>
+      <p:sp>
+        <p:nvSpPr>
+          <p:cNvPr id="67" name="Google Shape;67;p15"/>
+          <p:cNvSpPr txBox="1">
+            <a:spLocks noGrp="1"/>
+          </p:cNvSpPr>
+          <p:nvPr>
+            <p:ph type="title"/>
+          </p:nvPr>
+        </p:nvSpPr>
+        <p:spPr>
+          <a:xfrm>
+            <a:off x="311700" y="445025"/>
+            <a:ext cx="8520600" cy="572700"/>
+          </a:xfrm>
+          <a:prstGeom prst="rect">
+            <a:avLst/>
+          </a:prstGeom>
+        </p:spPr>
+        <p:txBody>
+          <a:bodyPr spcFirstLastPara="1" wrap="square" lIns="91425" tIns="91425" rIns="91425" bIns="91425" anchor="t" anchorCtr="0">
+            <a:noAutofit/>
+          </a:bodyPr>
+          <a:lstStyle/>
+          <a:p>
+            <a:pPr marL="0" lvl="0" indent="0" algn="l" rtl="0">
+              <a:spcBef>
+                <a:spcPts val="0"/>
+              </a:spcBef>
+              <a:spcAft>
+                <a:spcPts val="0"/>
+              </a:spcAft>
+              <a:buNone/>
+            </a:pPr>
+            <a:r>
+              <a:rPr lang="en-US" dirty="0"/>
+              <a:t>Final Gantt Chart (Completely Redone)</a:t>
+            </a:r>
+            <a:endParaRPr dirty="0"/>
+          </a:p>
+        </p:txBody>
+      </p:sp>
+      <p:sp>
+        <p:nvSpPr>
+          <p:cNvPr id="68" name="Google Shape;68;p15"/>
+          <p:cNvSpPr txBox="1">
+            <a:spLocks noGrp="1"/>
+          </p:cNvSpPr>
+          <p:nvPr>
+            <p:ph type="body" idx="1"/>
+          </p:nvPr>
+        </p:nvSpPr>
+        <p:spPr>
+          <a:xfrm>
+            <a:off x="311700" y="1152475"/>
+            <a:ext cx="8520600" cy="3416400"/>
+          </a:xfrm>
+          <a:prstGeom prst="rect">
+            <a:avLst/>
+          </a:prstGeom>
+        </p:spPr>
+        <p:txBody>
+          <a:bodyPr spcFirstLastPara="1" wrap="square" lIns="91425" tIns="91425" rIns="91425" bIns="91425" anchor="t" anchorCtr="0">
+            <a:noAutofit/>
+          </a:bodyPr>
+          <a:lstStyle/>
+          <a:p>
+            <a:pPr marL="0" lvl="0" indent="0" algn="l" rtl="0">
+              <a:spcBef>
+                <a:spcPts val="0"/>
+              </a:spcBef>
+              <a:spcAft>
+                <a:spcPts val="1600"/>
+              </a:spcAft>
+              <a:buNone/>
+            </a:pPr>
+            <a:endParaRPr/>
+          </a:p>
+        </p:txBody>
+      </p:sp>
+      <p:pic>
+        <p:nvPicPr>
+          <p:cNvPr id="2" name="Picture 1">
+            <a:extLst>
+              <a:ext uri="{FF2B5EF4-FFF2-40B4-BE49-F238E27FC236}">
+                <a16:creationId xmlns:a16="http://schemas.microsoft.com/office/drawing/2014/main" id="{7C6780E3-0B99-4045-903E-5B9DFCB7D826}"/>
+              </a:ext>
+            </a:extLst>
+          </p:cNvPr>
+          <p:cNvPicPr>
+            <a:picLocks noChangeAspect="1"/>
+          </p:cNvPicPr>
+          <p:nvPr/>
+        </p:nvPicPr>
+        <p:blipFill>
+          <a:blip r:embed="rId3"/>
+          <a:stretch>
+            <a:fillRect/>
+          </a:stretch>
+        </p:blipFill>
+        <p:spPr>
+          <a:xfrm>
+            <a:off x="404812" y="1245394"/>
+            <a:ext cx="8334375" cy="3524250"/>
+          </a:xfrm>
+          <a:prstGeom prst="rect">
+            <a:avLst/>
+          </a:prstGeom>
+        </p:spPr>
+      </p:pic>
+    </p:spTree>
+    <p:extLst>
+      <p:ext uri="{BB962C8B-B14F-4D97-AF65-F5344CB8AC3E}">
+        <p14:creationId xmlns:p14="http://schemas.microsoft.com/office/powerpoint/2010/main" val="2682885469"/>
+      </p:ext>
+    </p:extLst>
+  </p:cSld>
+  <p:clrMapOvr>
+    <a:masterClrMapping/>
+  </p:clrMapOvr>
+</p:sld>
+</file>
+
 <file path=ppt/theme/theme1.xml><?xml version="1.0" encoding="utf-8"?>
-<a:theme xmlns:a="http://schemas.openxmlformats.org/drawingml/2006/main" xmlns:r="http://schemas.openxmlformats.org/officeDocument/2006/relationships">
+<a:theme xmlns:a="http://schemas.openxmlformats.org/drawingml/2006/main" name="Simple Light">
+  <a:themeElements>
+    <a:clrScheme name="Simple Light">
+      <a:dk1>
+        <a:srgbClr val="000000"/>
+      </a:dk1>
+      <a:lt1>
+        <a:srgbClr val="FFFFFF"/>
+      </a:lt1>
+      <a:dk2>
+        <a:srgbClr val="595959"/>
+      </a:dk2>
+      <a:lt2>
+        <a:srgbClr val="EEEEEE"/>
+      </a:lt2>
+      <a:accent1>
+        <a:srgbClr val="FFAB40"/>
+      </a:accent1>
+      <a:accent2>
+        <a:srgbClr val="212121"/>
+      </a:accent2>
+      <a:accent3>
+        <a:srgbClr val="78909C"/>
+      </a:accent3>
+      <a:accent4>
+        <a:srgbClr val="FFAB40"/>
+      </a:accent4>
+      <a:accent5>
+        <a:srgbClr val="0097A7"/>
+      </a:accent5>
+      <a:accent6>
+        <a:srgbClr val="EEFF41"/>
+      </a:accent6>
+      <a:hlink>
+        <a:srgbClr val="0097A7"/>
+      </a:hlink>
+      <a:folHlink>
+        <a:srgbClr val="0097A7"/>
+      </a:folHlink>
+    </a:clrScheme>
+    <a:fontScheme name="Office">
+      <a:majorFont>
+        <a:latin typeface="Arial"/>
+        <a:ea typeface=""/>
+        <a:cs typeface=""/>
+        <a:font script="Jpan" typeface="ＭＳ Ｐゴシック"/>
+        <a:font script="Hang" typeface="맑은 고딕"/>
+        <a:font script="Hans" typeface="宋体"/>
+        <a:font script="Hant" typeface="新細明體"/>
+        <a:font script="Arab" typeface="Times New Roman"/>
+        <a:font script="Hebr" typeface="Times New Roman"/>
+        <a:font script="Thai" typeface="Angsana New"/>
+        <a:font script="Ethi" typeface="Nyala"/>
+        <a:font script="Beng" typeface="Vrinda"/>
+        <a:font script="Gujr" typeface="Shruti"/>
+        <a:font script="Khmr" typeface="MoolBoran"/>
+        <a:font script="Knda" typeface="Tunga"/>
+        <a:font script="Guru" typeface="Raavi"/>
+        <a:font script="Cans" typeface="Euphemia"/>
+        <a:font script="Cher" typeface="Plantagenet Cherokee"/>
+        <a:font script="Yiii" typeface="Microsoft Yi Baiti"/>
+        <a:font script="Tibt" typeface="Microsoft Himalaya"/>
+        <a:font script="Thaa" typeface="MV Boli"/>
+        <a:font script="Deva" typeface="Mangal"/>
+        <a:font script="Telu" typeface="Gautami"/>
+        <a:font script="Taml" typeface="Latha"/>
+        <a:font script="Syrc" typeface="Estrangelo Edessa"/>
+        <a:font script="Orya" typeface="Kalinga"/>
+        <a:font script="Mlym" typeface="Kartika"/>
+        <a:font script="Laoo" typeface="DokChampa"/>
+        <a:font script="Sinh" typeface="Iskoola Pota"/>
+        <a:font script="Mong" typeface="Mongolian Baiti"/>
+        <a:font script="Viet" typeface="Times New Roman"/>
+        <a:font script="Uigh" typeface="Microsoft Uighur"/>
+        <a:font script="Geor" typeface="Sylfaen"/>
+      </a:majorFont>
+      <a:minorFont>
+        <a:latin typeface="Arial"/>
+        <a:ea typeface=""/>
+        <a:cs typeface=""/>
+        <a:font script="Jpan" typeface="ＭＳ Ｐゴシック"/>
+        <a:font script="Hang" typeface="맑은 고딕"/>
+        <a:font script="Hans" typeface="宋体"/>
+        <a:font script="Hant" typeface="新細明體"/>
+        <a:font script="Arab" typeface="Arial"/>
+        <a:font script="Hebr" typeface="Arial"/>
+        <a:font script="Thai" typeface="Cordia New"/>
+        <a:font script="Ethi" typeface="Nyala"/>
+        <a:font script="Beng" typeface="Vrinda"/>
+        <a:font script="Gujr" typeface="Shruti"/>
+        <a:font script="Khmr" typeface="DaunPenh"/>
+        <a:font script="Knda" typeface="Tunga"/>
+        <a:font script="Guru" typeface="Raavi"/>
+        <a:font script="Cans" typeface="Euphemia"/>
+        <a:font script="Cher" typeface="Plantagenet Cherokee"/>
+        <a:font script="Yiii" typeface="Microsoft Yi Baiti"/>
+        <a:font script="Tibt" typeface="Microsoft Himalaya"/>
+        <a:font script="Thaa" typeface="MV Boli"/>
+        <a:font script="Deva" typeface="Mangal"/>
+        <a:font script="Telu" typeface="Gautami"/>
+        <a:font script="Taml" typeface="Latha"/>
+        <a:font script="Syrc" typeface="Estrangelo Edessa"/>
+        <a:font script="Orya" typeface="Kalinga"/>
+        <a:font script="Mlym" typeface="Kartika"/>
+        <a:font script="Laoo" typeface="DokChampa"/>
+        <a:font script="Sinh" typeface="Iskoola Pota"/>
+        <a:font script="Mong" typeface="Mongolian Baiti"/>
+        <a:font script="Viet" typeface="Arial"/>
+        <a:font script="Uigh" typeface="Microsoft Uighur"/>
+        <a:font script="Geor" typeface="Sylfaen"/>
+      </a:minorFont>
+    </a:fontScheme>
+    <a:fmtScheme name="Office">
+      <a:fillStyleLst>
+        <a:solidFill>
+          <a:schemeClr val="phClr"/>
+        </a:solidFill>
+        <a:gradFill rotWithShape="1">
+          <a:gsLst>
+            <a:gs pos="0">
+              <a:schemeClr val="phClr">
+                <a:tint val="50000"/>
+                <a:satMod val="300000"/>
+              </a:schemeClr>
+            </a:gs>
+            <a:gs pos="35000">
+              <a:schemeClr val="phClr">
+                <a:tint val="37000"/>
+                <a:satMod val="300000"/>
+              </a:schemeClr>
+            </a:gs>
+            <a:gs pos="100000">
+              <a:schemeClr val="phClr">
+                <a:tint val="15000"/>
+                <a:satMod val="350000"/>
+              </a:schemeClr>
+            </a:gs>
+          </a:gsLst>
+          <a:lin ang="16200000" scaled="1"/>
+        </a:gradFill>
+        <a:gradFill rotWithShape="1">
+          <a:gsLst>
+            <a:gs pos="0">
+              <a:schemeClr val="phClr">
+                <a:tint val="100000"/>
+                <a:shade val="100000"/>
+                <a:satMod val="130000"/>
+              </a:schemeClr>
+            </a:gs>
+            <a:gs pos="100000">
+              <a:schemeClr val="phClr">
+                <a:tint val="50000"/>
+                <a:shade val="100000"/>
+                <a:satMod val="350000"/>
+              </a:schemeClr>
+            </a:gs>
+          </a:gsLst>
+          <a:lin ang="16200000" scaled="0"/>
+        </a:gradFill>
+      </a:fillStyleLst>
+      <a:lnStyleLst>
+        <a:ln w="9525" cap="flat" cmpd="sng" algn="ctr">
+          <a:solidFill>
+            <a:schemeClr val="phClr">
+              <a:shade val="95000"/>
+              <a:satMod val="105000"/>
+            </a:schemeClr>
+          </a:solidFill>
+          <a:prstDash val="solid"/>
+        </a:ln>
+        <a:ln w="25400" cap="flat" cmpd="sng" algn="ctr">
+          <a:solidFill>
+            <a:schemeClr val="phClr"/>
+          </a:solidFill>
+          <a:prstDash val="solid"/>
+        </a:ln>
+        <a:ln w="38100" cap="flat" cmpd="sng" algn="ctr">
+          <a:solidFill>
+            <a:schemeClr val="phClr"/>
+          </a:solidFill>
+          <a:prstDash val="solid"/>
+        </a:ln>
+      </a:lnStyleLst>
+      <a:effectStyleLst>
+        <a:effectStyle>
+          <a:effectLst>
+            <a:outerShdw blurRad="40000" dist="20000" dir="5400000" rotWithShape="0">
+              <a:srgbClr val="000000">
+                <a:alpha val="38000"/>
+              </a:srgbClr>
+            </a:outerShdw>
+          </a:effectLst>
+        </a:effectStyle>
+        <a:effectStyle>
+          <a:effectLst>
+            <a:outerShdw blurRad="40000" dist="23000" dir="5400000" rotWithShape="0">
+              <a:srgbClr val="000000">
+                <a:alpha val="35000"/>
+              </a:srgbClr>
+            </a:outerShdw>
+          </a:effectLst>
+        </a:effectStyle>
+        <a:effectStyle>
+          <a:effectLst>
+            <a:outerShdw blurRad="40000" dist="23000" dir="5400000" rotWithShape="0">
+              <a:srgbClr val="000000">
+                <a:alpha val="35000"/>
+              </a:srgbClr>
+            </a:outerShdw>
+          </a:effectLst>
+          <a:scene3d>
+            <a:camera prst="orthographicFront">
+              <a:rot lat="0" lon="0" rev="0"/>
+            </a:camera>
+            <a:lightRig rig="threePt" dir="t">
+              <a:rot lat="0" lon="0" rev="1200000"/>
+            </a:lightRig>
+          </a:scene3d>
+          <a:sp3d>
+            <a:bevelT w="63500" h="25400"/>
+          </a:sp3d>
+        </a:effectStyle>
+      </a:effectStyleLst>
+      <a:bgFillStyleLst>
+        <a:solidFill>
+          <a:schemeClr val="phClr"/>
+        </a:solidFill>
+        <a:gradFill rotWithShape="1">
+          <a:gsLst>
+            <a:gs pos="0">
+              <a:schemeClr val="phClr">
+                <a:tint val="40000"/>
+                <a:satMod val="350000"/>
+              </a:schemeClr>
+            </a:gs>
+            <a:gs pos="40000">
+              <a:schemeClr val="phClr">
+                <a:tint val="45000"/>
+                <a:shade val="99000"/>
+                <a:satMod val="350000"/>
+              </a:schemeClr>
+            </a:gs>
+            <a:gs pos="100000">
+              <a:schemeClr val="phClr">
+                <a:shade val="20000"/>
+                <a:satMod val="255000"/>
+              </a:schemeClr>
+            </a:gs>
+          </a:gsLst>
+          <a:path path="circle">
+            <a:fillToRect l="50000" t="-80000" r="50000" b="180000"/>
+          </a:path>
+        </a:gradFill>
+        <a:gradFill rotWithShape="1">
+          <a:gsLst>
+            <a:gs pos="0">
+              <a:schemeClr val="phClr">
+                <a:tint val="80000"/>
+                <a:satMod val="300000"/>
+              </a:schemeClr>
+            </a:gs>
+            <a:gs pos="100000">
+              <a:schemeClr val="phClr">
+                <a:shade val="30000"/>
+                <a:satMod val="200000"/>
+              </a:schemeClr>
+            </a:gs>
+          </a:gsLst>
+          <a:path path="circle">
+            <a:fillToRect l="50000" t="50000" r="50000" b="50000"/>
+          </a:path>
+        </a:gradFill>
+      </a:bgFillStyleLst>
+    </a:fmtScheme>
+  </a:themeElements>
+  <a:objectDefaults/>
+  <a:extraClrSchemeLst/>
+</a:theme>
+</file>
+
+<file path=ppt/theme/theme2.xml><?xml version="1.0" encoding="utf-8"?>
+<a:theme xmlns:a="http://schemas.openxmlformats.org/drawingml/2006/main">
   <a:themeElements>
     <a:clrScheme name="Default">
       <a:dk1>
@@ -6235,284 +6987,7 @@
       </a:bgFillStyleLst>
     </a:fmtScheme>
   </a:themeElements>
-</a:theme>
-</file>
-
-<file path=ppt/theme/theme2.xml><?xml version="1.0" encoding="utf-8"?>
-<a:theme xmlns:a="http://schemas.openxmlformats.org/drawingml/2006/main" xmlns:r="http://schemas.openxmlformats.org/officeDocument/2006/relationships" name="Simple Light">
-  <a:themeElements>
-    <a:clrScheme name="Simple Light">
-      <a:dk1>
-        <a:srgbClr val="000000"/>
-      </a:dk1>
-      <a:lt1>
-        <a:srgbClr val="FFFFFF"/>
-      </a:lt1>
-      <a:dk2>
-        <a:srgbClr val="595959"/>
-      </a:dk2>
-      <a:lt2>
-        <a:srgbClr val="EEEEEE"/>
-      </a:lt2>
-      <a:accent1>
-        <a:srgbClr val="FFAB40"/>
-      </a:accent1>
-      <a:accent2>
-        <a:srgbClr val="212121"/>
-      </a:accent2>
-      <a:accent3>
-        <a:srgbClr val="78909C"/>
-      </a:accent3>
-      <a:accent4>
-        <a:srgbClr val="FFAB40"/>
-      </a:accent4>
-      <a:accent5>
-        <a:srgbClr val="0097A7"/>
-      </a:accent5>
-      <a:accent6>
-        <a:srgbClr val="EEFF41"/>
-      </a:accent6>
-      <a:hlink>
-        <a:srgbClr val="0097A7"/>
-      </a:hlink>
-      <a:folHlink>
-        <a:srgbClr val="0097A7"/>
-      </a:folHlink>
-    </a:clrScheme>
-    <a:fontScheme name="Office">
-      <a:majorFont>
-        <a:latin typeface="Arial"/>
-        <a:ea typeface=""/>
-        <a:cs typeface=""/>
-        <a:font script="Jpan" typeface="ＭＳ Ｐゴシック"/>
-        <a:font script="Hang" typeface="맑은 고딕"/>
-        <a:font script="Hans" typeface="宋体"/>
-        <a:font script="Hant" typeface="新細明體"/>
-        <a:font script="Arab" typeface="Times New Roman"/>
-        <a:font script="Hebr" typeface="Times New Roman"/>
-        <a:font script="Thai" typeface="Angsana New"/>
-        <a:font script="Ethi" typeface="Nyala"/>
-        <a:font script="Beng" typeface="Vrinda"/>
-        <a:font script="Gujr" typeface="Shruti"/>
-        <a:font script="Khmr" typeface="MoolBoran"/>
-        <a:font script="Knda" typeface="Tunga"/>
-        <a:font script="Guru" typeface="Raavi"/>
-        <a:font script="Cans" typeface="Euphemia"/>
-        <a:font script="Cher" typeface="Plantagenet Cherokee"/>
-        <a:font script="Yiii" typeface="Microsoft Yi Baiti"/>
-        <a:font script="Tibt" typeface="Microsoft Himalaya"/>
-        <a:font script="Thaa" typeface="MV Boli"/>
-        <a:font script="Deva" typeface="Mangal"/>
-        <a:font script="Telu" typeface="Gautami"/>
-        <a:font script="Taml" typeface="Latha"/>
-        <a:font script="Syrc" typeface="Estrangelo Edessa"/>
-        <a:font script="Orya" typeface="Kalinga"/>
-        <a:font script="Mlym" typeface="Kartika"/>
-        <a:font script="Laoo" typeface="DokChampa"/>
-        <a:font script="Sinh" typeface="Iskoola Pota"/>
-        <a:font script="Mong" typeface="Mongolian Baiti"/>
-        <a:font script="Viet" typeface="Times New Roman"/>
-        <a:font script="Uigh" typeface="Microsoft Uighur"/>
-        <a:font script="Geor" typeface="Sylfaen"/>
-      </a:majorFont>
-      <a:minorFont>
-        <a:latin typeface="Arial"/>
-        <a:ea typeface=""/>
-        <a:cs typeface=""/>
-        <a:font script="Jpan" typeface="ＭＳ Ｐゴシック"/>
-        <a:font script="Hang" typeface="맑은 고딕"/>
-        <a:font script="Hans" typeface="宋体"/>
-        <a:font script="Hant" typeface="新細明體"/>
-        <a:font script="Arab" typeface="Arial"/>
-        <a:font script="Hebr" typeface="Arial"/>
-        <a:font script="Thai" typeface="Cordia New"/>
-        <a:font script="Ethi" typeface="Nyala"/>
-        <a:font script="Beng" typeface="Vrinda"/>
-        <a:font script="Gujr" typeface="Shruti"/>
-        <a:font script="Khmr" typeface="DaunPenh"/>
-        <a:font script="Knda" typeface="Tunga"/>
-        <a:font script="Guru" typeface="Raavi"/>
-        <a:font script="Cans" typeface="Euphemia"/>
-        <a:font script="Cher" typeface="Plantagenet Cherokee"/>
-        <a:font script="Yiii" typeface="Microsoft Yi Baiti"/>
-        <a:font script="Tibt" typeface="Microsoft Himalaya"/>
-        <a:font script="Thaa" typeface="MV Boli"/>
-        <a:font script="Deva" typeface="Mangal"/>
-        <a:font script="Telu" typeface="Gautami"/>
-        <a:font script="Taml" typeface="Latha"/>
-        <a:font script="Syrc" typeface="Estrangelo Edessa"/>
-        <a:font script="Orya" typeface="Kalinga"/>
-        <a:font script="Mlym" typeface="Kartika"/>
-        <a:font script="Laoo" typeface="DokChampa"/>
-        <a:font script="Sinh" typeface="Iskoola Pota"/>
-        <a:font script="Mong" typeface="Mongolian Baiti"/>
-        <a:font script="Viet" typeface="Arial"/>
-        <a:font script="Uigh" typeface="Microsoft Uighur"/>
-        <a:font script="Geor" typeface="Sylfaen"/>
-      </a:minorFont>
-    </a:fontScheme>
-    <a:fmtScheme name="Office">
-      <a:fillStyleLst>
-        <a:solidFill>
-          <a:schemeClr val="phClr"/>
-        </a:solidFill>
-        <a:gradFill rotWithShape="1">
-          <a:gsLst>
-            <a:gs pos="0">
-              <a:schemeClr val="phClr">
-                <a:tint val="50000"/>
-                <a:satMod val="300000"/>
-              </a:schemeClr>
-            </a:gs>
-            <a:gs pos="35000">
-              <a:schemeClr val="phClr">
-                <a:tint val="37000"/>
-                <a:satMod val="300000"/>
-              </a:schemeClr>
-            </a:gs>
-            <a:gs pos="100000">
-              <a:schemeClr val="phClr">
-                <a:tint val="15000"/>
-                <a:satMod val="350000"/>
-              </a:schemeClr>
-            </a:gs>
-          </a:gsLst>
-          <a:lin ang="16200000" scaled="1"/>
-        </a:gradFill>
-        <a:gradFill rotWithShape="1">
-          <a:gsLst>
-            <a:gs pos="0">
-              <a:schemeClr val="phClr">
-                <a:tint val="100000"/>
-                <a:shade val="100000"/>
-                <a:satMod val="130000"/>
-              </a:schemeClr>
-            </a:gs>
-            <a:gs pos="100000">
-              <a:schemeClr val="phClr">
-                <a:tint val="50000"/>
-                <a:shade val="100000"/>
-                <a:satMod val="350000"/>
-              </a:schemeClr>
-            </a:gs>
-          </a:gsLst>
-          <a:lin ang="16200000" scaled="0"/>
-        </a:gradFill>
-      </a:fillStyleLst>
-      <a:lnStyleLst>
-        <a:ln w="9525" cap="flat" cmpd="sng" algn="ctr">
-          <a:solidFill>
-            <a:schemeClr val="phClr">
-              <a:shade val="95000"/>
-              <a:satMod val="105000"/>
-            </a:schemeClr>
-          </a:solidFill>
-          <a:prstDash val="solid"/>
-        </a:ln>
-        <a:ln w="25400" cap="flat" cmpd="sng" algn="ctr">
-          <a:solidFill>
-            <a:schemeClr val="phClr"/>
-          </a:solidFill>
-          <a:prstDash val="solid"/>
-        </a:ln>
-        <a:ln w="38100" cap="flat" cmpd="sng" algn="ctr">
-          <a:solidFill>
-            <a:schemeClr val="phClr"/>
-          </a:solidFill>
-          <a:prstDash val="solid"/>
-        </a:ln>
-      </a:lnStyleLst>
-      <a:effectStyleLst>
-        <a:effectStyle>
-          <a:effectLst>
-            <a:outerShdw blurRad="40000" dist="20000" dir="5400000" rotWithShape="0">
-              <a:srgbClr val="000000">
-                <a:alpha val="38000"/>
-              </a:srgbClr>
-            </a:outerShdw>
-          </a:effectLst>
-        </a:effectStyle>
-        <a:effectStyle>
-          <a:effectLst>
-            <a:outerShdw blurRad="40000" dist="23000" dir="5400000" rotWithShape="0">
-              <a:srgbClr val="000000">
-                <a:alpha val="35000"/>
-              </a:srgbClr>
-            </a:outerShdw>
-          </a:effectLst>
-        </a:effectStyle>
-        <a:effectStyle>
-          <a:effectLst>
-            <a:outerShdw blurRad="40000" dist="23000" dir="5400000" rotWithShape="0">
-              <a:srgbClr val="000000">
-                <a:alpha val="35000"/>
-              </a:srgbClr>
-            </a:outerShdw>
-          </a:effectLst>
-          <a:scene3d>
-            <a:camera prst="orthographicFront">
-              <a:rot lat="0" lon="0" rev="0"/>
-            </a:camera>
-            <a:lightRig rig="threePt" dir="t">
-              <a:rot lat="0" lon="0" rev="1200000"/>
-            </a:lightRig>
-          </a:scene3d>
-          <a:sp3d>
-            <a:bevelT w="63500" h="25400"/>
-          </a:sp3d>
-        </a:effectStyle>
-      </a:effectStyleLst>
-      <a:bgFillStyleLst>
-        <a:solidFill>
-          <a:schemeClr val="phClr"/>
-        </a:solidFill>
-        <a:gradFill rotWithShape="1">
-          <a:gsLst>
-            <a:gs pos="0">
-              <a:schemeClr val="phClr">
-                <a:tint val="40000"/>
-                <a:satMod val="350000"/>
-              </a:schemeClr>
-            </a:gs>
-            <a:gs pos="40000">
-              <a:schemeClr val="phClr">
-                <a:tint val="45000"/>
-                <a:shade val="99000"/>
-                <a:satMod val="350000"/>
-              </a:schemeClr>
-            </a:gs>
-            <a:gs pos="100000">
-              <a:schemeClr val="phClr">
-                <a:shade val="20000"/>
-                <a:satMod val="255000"/>
-              </a:schemeClr>
-            </a:gs>
-          </a:gsLst>
-          <a:path path="circle">
-            <a:fillToRect l="50000" t="-80000" r="50000" b="180000"/>
-          </a:path>
-        </a:gradFill>
-        <a:gradFill rotWithShape="1">
-          <a:gsLst>
-            <a:gs pos="0">
-              <a:schemeClr val="phClr">
-                <a:tint val="80000"/>
-                <a:satMod val="300000"/>
-              </a:schemeClr>
-            </a:gs>
-            <a:gs pos="100000">
-              <a:schemeClr val="phClr">
-                <a:shade val="30000"/>
-                <a:satMod val="200000"/>
-              </a:schemeClr>
-            </a:gs>
-          </a:gsLst>
-          <a:path path="circle">
-            <a:fillToRect l="50000" t="50000" r="50000" b="50000"/>
-          </a:path>
-        </a:gradFill>
-      </a:bgFillStyleLst>
-    </a:fmtScheme>
-  </a:themeElements>
+  <a:objectDefaults/>
+  <a:extraClrSchemeLst/>
 </a:theme>
 </file>